--- a/Final project/Poster.pptx
+++ b/Final project/Poster.pptx
@@ -121,994 +121,6 @@
 </p:presentation>
 </file>
 
-<file path=ppt/charts/chart1.xml><?xml version="1.0" encoding="utf-8"?>
-<c:chartSpace xmlns:c="http://schemas.openxmlformats.org/drawingml/2006/chart" xmlns:a="http://schemas.openxmlformats.org/drawingml/2006/main" xmlns:r="http://schemas.openxmlformats.org/officeDocument/2006/relationships" xmlns:c16r2="http://schemas.microsoft.com/office/drawing/2015/06/chart">
-  <c:date1904 val="0"/>
-  <c:lang val="es-ES"/>
-  <c:roundedCorners val="0"/>
-  <mc:AlternateContent xmlns:mc="http://schemas.openxmlformats.org/markup-compatibility/2006">
-    <mc:Choice xmlns:c14="http://schemas.microsoft.com/office/drawing/2007/8/2/chart" Requires="c14">
-      <c14:style val="102"/>
-    </mc:Choice>
-    <mc:Fallback>
-      <c:style val="2"/>
-    </mc:Fallback>
-  </mc:AlternateContent>
-  <c:chart>
-    <c:title>
-      <c:overlay val="0"/>
-      <c:spPr>
-        <a:noFill/>
-        <a:ln>
-          <a:noFill/>
-        </a:ln>
-        <a:effectLst/>
-      </c:spPr>
-      <c:txPr>
-        <a:bodyPr rot="0" spcFirstLastPara="1" vertOverflow="ellipsis" vert="horz" wrap="square" anchor="ctr" anchorCtr="1"/>
-        <a:lstStyle/>
-        <a:p>
-          <a:pPr>
-            <a:defRPr sz="2128" b="0" i="0" u="none" strike="noStrike" kern="1200" cap="none" spc="50" normalizeH="0" baseline="0">
-              <a:solidFill>
-                <a:schemeClr val="tx1">
-                  <a:lumMod val="65000"/>
-                  <a:lumOff val="35000"/>
-                </a:schemeClr>
-              </a:solidFill>
-              <a:latin typeface="+mj-lt"/>
-              <a:ea typeface="+mj-ea"/>
-              <a:cs typeface="+mj-cs"/>
-            </a:defRPr>
-          </a:pPr>
-          <a:endParaRPr lang="en-US"/>
-        </a:p>
-      </c:txPr>
-    </c:title>
-    <c:autoTitleDeleted val="0"/>
-    <c:plotArea>
-      <c:layout/>
-      <c:barChart>
-        <c:barDir val="col"/>
-        <c:grouping val="clustered"/>
-        <c:varyColors val="0"/>
-        <c:ser>
-          <c:idx val="0"/>
-          <c:order val="0"/>
-          <c:tx>
-            <c:strRef>
-              <c:f>Sheet1!$B$1</c:f>
-              <c:strCache>
-                <c:ptCount val="1"/>
-                <c:pt idx="0">
-                  <c:v>Series 1</c:v>
-                </c:pt>
-              </c:strCache>
-            </c:strRef>
-          </c:tx>
-          <c:spPr>
-            <a:solidFill>
-              <a:schemeClr val="accent1">
-                <a:alpha val="70000"/>
-              </a:schemeClr>
-            </a:solidFill>
-            <a:ln>
-              <a:noFill/>
-            </a:ln>
-            <a:effectLst/>
-          </c:spPr>
-          <c:invertIfNegative val="0"/>
-          <c:cat>
-            <c:strRef>
-              <c:f>Sheet1!$A$2:$A$5</c:f>
-              <c:strCache>
-                <c:ptCount val="4"/>
-                <c:pt idx="0">
-                  <c:v>Category 1</c:v>
-                </c:pt>
-                <c:pt idx="1">
-                  <c:v>Category 2</c:v>
-                </c:pt>
-                <c:pt idx="2">
-                  <c:v>Category 3</c:v>
-                </c:pt>
-                <c:pt idx="3">
-                  <c:v>Category 4</c:v>
-                </c:pt>
-              </c:strCache>
-            </c:strRef>
-          </c:cat>
-          <c:val>
-            <c:numRef>
-              <c:f>Sheet1!$B$2:$B$5</c:f>
-              <c:numCache>
-                <c:formatCode>General</c:formatCode>
-                <c:ptCount val="4"/>
-                <c:pt idx="0">
-                  <c:v>4.3</c:v>
-                </c:pt>
-                <c:pt idx="1">
-                  <c:v>2.5</c:v>
-                </c:pt>
-                <c:pt idx="2">
-                  <c:v>3.5</c:v>
-                </c:pt>
-                <c:pt idx="3">
-                  <c:v>4.5</c:v>
-                </c:pt>
-              </c:numCache>
-            </c:numRef>
-          </c:val>
-          <c:extLst>
-            <c:ext xmlns:c16="http://schemas.microsoft.com/office/drawing/2014/chart" uri="{C3380CC4-5D6E-409C-BE32-E72D297353CC}">
-              <c16:uniqueId val="{00000000-684F-4433-866E-096DB82B01C0}"/>
-            </c:ext>
-          </c:extLst>
-        </c:ser>
-        <c:ser>
-          <c:idx val="1"/>
-          <c:order val="1"/>
-          <c:tx>
-            <c:strRef>
-              <c:f>Sheet1!$C$1</c:f>
-              <c:strCache>
-                <c:ptCount val="1"/>
-                <c:pt idx="0">
-                  <c:v>Series 2</c:v>
-                </c:pt>
-              </c:strCache>
-            </c:strRef>
-          </c:tx>
-          <c:spPr>
-            <a:solidFill>
-              <a:schemeClr val="accent2">
-                <a:alpha val="70000"/>
-              </a:schemeClr>
-            </a:solidFill>
-            <a:ln>
-              <a:noFill/>
-            </a:ln>
-            <a:effectLst/>
-          </c:spPr>
-          <c:invertIfNegative val="0"/>
-          <c:cat>
-            <c:strRef>
-              <c:f>Sheet1!$A$2:$A$5</c:f>
-              <c:strCache>
-                <c:ptCount val="4"/>
-                <c:pt idx="0">
-                  <c:v>Category 1</c:v>
-                </c:pt>
-                <c:pt idx="1">
-                  <c:v>Category 2</c:v>
-                </c:pt>
-                <c:pt idx="2">
-                  <c:v>Category 3</c:v>
-                </c:pt>
-                <c:pt idx="3">
-                  <c:v>Category 4</c:v>
-                </c:pt>
-              </c:strCache>
-            </c:strRef>
-          </c:cat>
-          <c:val>
-            <c:numRef>
-              <c:f>Sheet1!$C$2:$C$5</c:f>
-              <c:numCache>
-                <c:formatCode>General</c:formatCode>
-                <c:ptCount val="4"/>
-                <c:pt idx="0">
-                  <c:v>2.4</c:v>
-                </c:pt>
-                <c:pt idx="1">
-                  <c:v>4.4000000000000004</c:v>
-                </c:pt>
-                <c:pt idx="2">
-                  <c:v>1.8</c:v>
-                </c:pt>
-                <c:pt idx="3">
-                  <c:v>2.8</c:v>
-                </c:pt>
-              </c:numCache>
-            </c:numRef>
-          </c:val>
-          <c:extLst>
-            <c:ext xmlns:c16="http://schemas.microsoft.com/office/drawing/2014/chart" uri="{C3380CC4-5D6E-409C-BE32-E72D297353CC}">
-              <c16:uniqueId val="{00000001-684F-4433-866E-096DB82B01C0}"/>
-            </c:ext>
-          </c:extLst>
-        </c:ser>
-        <c:ser>
-          <c:idx val="2"/>
-          <c:order val="2"/>
-          <c:tx>
-            <c:strRef>
-              <c:f>Sheet1!$D$1</c:f>
-              <c:strCache>
-                <c:ptCount val="1"/>
-                <c:pt idx="0">
-                  <c:v>Series 3</c:v>
-                </c:pt>
-              </c:strCache>
-            </c:strRef>
-          </c:tx>
-          <c:spPr>
-            <a:solidFill>
-              <a:schemeClr val="accent3">
-                <a:alpha val="70000"/>
-              </a:schemeClr>
-            </a:solidFill>
-            <a:ln>
-              <a:noFill/>
-            </a:ln>
-            <a:effectLst/>
-          </c:spPr>
-          <c:invertIfNegative val="0"/>
-          <c:cat>
-            <c:strRef>
-              <c:f>Sheet1!$A$2:$A$5</c:f>
-              <c:strCache>
-                <c:ptCount val="4"/>
-                <c:pt idx="0">
-                  <c:v>Category 1</c:v>
-                </c:pt>
-                <c:pt idx="1">
-                  <c:v>Category 2</c:v>
-                </c:pt>
-                <c:pt idx="2">
-                  <c:v>Category 3</c:v>
-                </c:pt>
-                <c:pt idx="3">
-                  <c:v>Category 4</c:v>
-                </c:pt>
-              </c:strCache>
-            </c:strRef>
-          </c:cat>
-          <c:val>
-            <c:numRef>
-              <c:f>Sheet1!$D$2:$D$5</c:f>
-              <c:numCache>
-                <c:formatCode>General</c:formatCode>
-                <c:ptCount val="4"/>
-                <c:pt idx="0">
-                  <c:v>2</c:v>
-                </c:pt>
-                <c:pt idx="1">
-                  <c:v>2</c:v>
-                </c:pt>
-                <c:pt idx="2">
-                  <c:v>3</c:v>
-                </c:pt>
-                <c:pt idx="3">
-                  <c:v>5</c:v>
-                </c:pt>
-              </c:numCache>
-            </c:numRef>
-          </c:val>
-          <c:extLst>
-            <c:ext xmlns:c16="http://schemas.microsoft.com/office/drawing/2014/chart" uri="{C3380CC4-5D6E-409C-BE32-E72D297353CC}">
-              <c16:uniqueId val="{00000002-684F-4433-866E-096DB82B01C0}"/>
-            </c:ext>
-          </c:extLst>
-        </c:ser>
-        <c:dLbls>
-          <c:showLegendKey val="0"/>
-          <c:showVal val="0"/>
-          <c:showCatName val="0"/>
-          <c:showSerName val="0"/>
-          <c:showPercent val="0"/>
-          <c:showBubbleSize val="0"/>
-        </c:dLbls>
-        <c:gapWidth val="80"/>
-        <c:overlap val="25"/>
-        <c:axId val="419234352"/>
-        <c:axId val="419234912"/>
-      </c:barChart>
-      <c:catAx>
-        <c:axId val="419234352"/>
-        <c:scaling>
-          <c:orientation val="minMax"/>
-        </c:scaling>
-        <c:delete val="0"/>
-        <c:axPos val="b"/>
-        <c:numFmt formatCode="General" sourceLinked="1"/>
-        <c:majorTickMark val="none"/>
-        <c:minorTickMark val="none"/>
-        <c:tickLblPos val="nextTo"/>
-        <c:spPr>
-          <a:noFill/>
-          <a:ln w="15875" cap="flat" cmpd="sng" algn="ctr">
-            <a:solidFill>
-              <a:schemeClr val="tx1">
-                <a:lumMod val="25000"/>
-                <a:lumOff val="75000"/>
-              </a:schemeClr>
-            </a:solidFill>
-            <a:round/>
-          </a:ln>
-          <a:effectLst/>
-        </c:spPr>
-        <c:txPr>
-          <a:bodyPr rot="-60000000" spcFirstLastPara="1" vertOverflow="ellipsis" vert="horz" wrap="square" anchor="ctr" anchorCtr="1"/>
-          <a:lstStyle/>
-          <a:p>
-            <a:pPr>
-              <a:defRPr sz="1197" b="0" i="0" u="none" strike="noStrike" kern="1200" cap="none" spc="20" normalizeH="0" baseline="0">
-                <a:solidFill>
-                  <a:schemeClr val="tx1">
-                    <a:lumMod val="65000"/>
-                    <a:lumOff val="35000"/>
-                  </a:schemeClr>
-                </a:solidFill>
-                <a:latin typeface="+mn-lt"/>
-                <a:ea typeface="+mn-ea"/>
-                <a:cs typeface="+mn-cs"/>
-              </a:defRPr>
-            </a:pPr>
-            <a:endParaRPr lang="en-US"/>
-          </a:p>
-        </c:txPr>
-        <c:crossAx val="419234912"/>
-        <c:crosses val="autoZero"/>
-        <c:auto val="1"/>
-        <c:lblAlgn val="ctr"/>
-        <c:lblOffset val="100"/>
-        <c:noMultiLvlLbl val="0"/>
-      </c:catAx>
-      <c:valAx>
-        <c:axId val="419234912"/>
-        <c:scaling>
-          <c:orientation val="minMax"/>
-        </c:scaling>
-        <c:delete val="0"/>
-        <c:axPos val="l"/>
-        <c:majorGridlines>
-          <c:spPr>
-            <a:ln w="9525" cap="flat" cmpd="sng" algn="ctr">
-              <a:solidFill>
-                <a:schemeClr val="tx1">
-                  <a:lumMod val="5000"/>
-                  <a:lumOff val="95000"/>
-                </a:schemeClr>
-              </a:solidFill>
-              <a:round/>
-            </a:ln>
-            <a:effectLst/>
-          </c:spPr>
-        </c:majorGridlines>
-        <c:numFmt formatCode="General" sourceLinked="1"/>
-        <c:majorTickMark val="none"/>
-        <c:minorTickMark val="none"/>
-        <c:tickLblPos val="nextTo"/>
-        <c:spPr>
-          <a:noFill/>
-          <a:ln>
-            <a:noFill/>
-          </a:ln>
-          <a:effectLst/>
-        </c:spPr>
-        <c:txPr>
-          <a:bodyPr rot="-60000000" spcFirstLastPara="1" vertOverflow="ellipsis" vert="horz" wrap="square" anchor="ctr" anchorCtr="1"/>
-          <a:lstStyle/>
-          <a:p>
-            <a:pPr>
-              <a:defRPr sz="1197" b="0" i="0" u="none" strike="noStrike" kern="1200" spc="20" baseline="0">
-                <a:solidFill>
-                  <a:schemeClr val="tx1">
-                    <a:lumMod val="65000"/>
-                    <a:lumOff val="35000"/>
-                  </a:schemeClr>
-                </a:solidFill>
-                <a:latin typeface="+mn-lt"/>
-                <a:ea typeface="+mn-ea"/>
-                <a:cs typeface="+mn-cs"/>
-              </a:defRPr>
-            </a:pPr>
-            <a:endParaRPr lang="en-US"/>
-          </a:p>
-        </c:txPr>
-        <c:crossAx val="419234352"/>
-        <c:crosses val="autoZero"/>
-        <c:crossBetween val="between"/>
-      </c:valAx>
-      <c:spPr>
-        <a:noFill/>
-        <a:ln>
-          <a:noFill/>
-        </a:ln>
-        <a:effectLst/>
-      </c:spPr>
-    </c:plotArea>
-    <c:legend>
-      <c:legendPos val="b"/>
-      <c:overlay val="0"/>
-      <c:spPr>
-        <a:noFill/>
-        <a:ln>
-          <a:noFill/>
-        </a:ln>
-        <a:effectLst/>
-      </c:spPr>
-      <c:txPr>
-        <a:bodyPr rot="0" spcFirstLastPara="1" vertOverflow="ellipsis" vert="horz" wrap="square" anchor="ctr" anchorCtr="1"/>
-        <a:lstStyle/>
-        <a:p>
-          <a:pPr>
-            <a:defRPr sz="1197" b="0" i="0" u="none" strike="noStrike" kern="1200" baseline="0">
-              <a:solidFill>
-                <a:schemeClr val="tx1">
-                  <a:lumMod val="65000"/>
-                  <a:lumOff val="35000"/>
-                </a:schemeClr>
-              </a:solidFill>
-              <a:latin typeface="+mn-lt"/>
-              <a:ea typeface="+mn-ea"/>
-              <a:cs typeface="+mn-cs"/>
-            </a:defRPr>
-          </a:pPr>
-          <a:endParaRPr lang="en-US"/>
-        </a:p>
-      </c:txPr>
-    </c:legend>
-    <c:plotVisOnly val="1"/>
-    <c:dispBlanksAs val="gap"/>
-    <c:showDLblsOverMax val="0"/>
-  </c:chart>
-  <c:spPr>
-    <a:noFill/>
-    <a:ln>
-      <a:noFill/>
-    </a:ln>
-    <a:effectLst/>
-  </c:spPr>
-  <c:txPr>
-    <a:bodyPr/>
-    <a:lstStyle/>
-    <a:p>
-      <a:pPr>
-        <a:defRPr/>
-      </a:pPr>
-      <a:endParaRPr lang="en-US"/>
-    </a:p>
-  </c:txPr>
-  <c:externalData r:id="rId3">
-    <c:autoUpdate val="0"/>
-  </c:externalData>
-</c:chartSpace>
-</file>
-
-<file path=ppt/charts/colors1.xml><?xml version="1.0" encoding="utf-8"?>
-<cs:colorStyle xmlns:cs="http://schemas.microsoft.com/office/drawing/2012/chartStyle" xmlns:a="http://schemas.openxmlformats.org/drawingml/2006/main" meth="cycle" id="10">
-  <a:schemeClr val="accent1"/>
-  <a:schemeClr val="accent2"/>
-  <a:schemeClr val="accent3"/>
-  <a:schemeClr val="accent4"/>
-  <a:schemeClr val="accent5"/>
-  <a:schemeClr val="accent6"/>
-  <cs:variation/>
-  <cs:variation>
-    <a:lumMod val="60000"/>
-  </cs:variation>
-  <cs:variation>
-    <a:lumMod val="80000"/>
-    <a:lumOff val="20000"/>
-  </cs:variation>
-  <cs:variation>
-    <a:lumMod val="80000"/>
-  </cs:variation>
-  <cs:variation>
-    <a:lumMod val="60000"/>
-    <a:lumOff val="40000"/>
-  </cs:variation>
-  <cs:variation>
-    <a:lumMod val="50000"/>
-  </cs:variation>
-  <cs:variation>
-    <a:lumMod val="70000"/>
-    <a:lumOff val="30000"/>
-  </cs:variation>
-  <cs:variation>
-    <a:lumMod val="70000"/>
-  </cs:variation>
-  <cs:variation>
-    <a:lumMod val="50000"/>
-    <a:lumOff val="50000"/>
-  </cs:variation>
-</cs:colorStyle>
-</file>
-
-<file path=ppt/charts/style1.xml><?xml version="1.0" encoding="utf-8"?>
-<cs:chartStyle xmlns:cs="http://schemas.microsoft.com/office/drawing/2012/chartStyle" xmlns:a="http://schemas.openxmlformats.org/drawingml/2006/main" id="215">
-  <cs:axisTitle>
-    <cs:lnRef idx="0"/>
-    <cs:fillRef idx="0"/>
-    <cs:effectRef idx="0"/>
-    <cs:fontRef idx="minor">
-      <a:schemeClr val="tx1">
-        <a:lumMod val="65000"/>
-        <a:lumOff val="35000"/>
-      </a:schemeClr>
-    </cs:fontRef>
-    <cs:defRPr sz="1197" kern="1200" cap="all"/>
-  </cs:axisTitle>
-  <cs:categoryAxis>
-    <cs:lnRef idx="0"/>
-    <cs:fillRef idx="0"/>
-    <cs:effectRef idx="0"/>
-    <cs:fontRef idx="minor">
-      <a:schemeClr val="tx1">
-        <a:lumMod val="65000"/>
-        <a:lumOff val="35000"/>
-      </a:schemeClr>
-    </cs:fontRef>
-    <cs:spPr>
-      <a:ln w="15875" cap="flat" cmpd="sng" algn="ctr">
-        <a:solidFill>
-          <a:schemeClr val="tx1">
-            <a:lumMod val="25000"/>
-            <a:lumOff val="75000"/>
-          </a:schemeClr>
-        </a:solidFill>
-        <a:round/>
-      </a:ln>
-    </cs:spPr>
-    <cs:defRPr sz="1197" kern="1200" cap="none" spc="20" normalizeH="0" baseline="0"/>
-  </cs:categoryAxis>
-  <cs:chartArea mods="allowNoFillOverride allowNoLineOverride">
-    <cs:lnRef idx="0"/>
-    <cs:fillRef idx="0"/>
-    <cs:effectRef idx="0"/>
-    <cs:fontRef idx="minor">
-      <a:schemeClr val="dk1"/>
-    </cs:fontRef>
-    <cs:spPr>
-      <a:solidFill>
-        <a:schemeClr val="lt1"/>
-      </a:solidFill>
-      <a:ln w="9525" cap="flat" cmpd="sng" algn="ctr">
-        <a:solidFill>
-          <a:schemeClr val="tx1">
-            <a:lumMod val="15000"/>
-            <a:lumOff val="85000"/>
-          </a:schemeClr>
-        </a:solidFill>
-        <a:round/>
-      </a:ln>
-    </cs:spPr>
-    <cs:defRPr sz="1197" kern="1200"/>
-  </cs:chartArea>
-  <cs:dataLabel>
-    <cs:lnRef idx="0"/>
-    <cs:fillRef idx="0"/>
-    <cs:effectRef idx="0"/>
-    <cs:fontRef idx="minor">
-      <a:schemeClr val="tx1">
-        <a:lumMod val="75000"/>
-        <a:lumOff val="25000"/>
-      </a:schemeClr>
-    </cs:fontRef>
-    <cs:defRPr sz="1197" kern="1200"/>
-  </cs:dataLabel>
-  <cs:dataLabelCallout>
-    <cs:lnRef idx="0"/>
-    <cs:fillRef idx="0"/>
-    <cs:effectRef idx="0"/>
-    <cs:fontRef idx="minor">
-      <a:schemeClr val="bg1"/>
-    </cs:fontRef>
-    <cs:spPr>
-      <a:solidFill>
-        <a:schemeClr val="tx1">
-          <a:lumMod val="50000"/>
-          <a:lumOff val="50000"/>
-        </a:schemeClr>
-      </a:solidFill>
-    </cs:spPr>
-    <cs:defRPr sz="1197" kern="1200"/>
-    <cs:bodyPr rot="0" spcFirstLastPara="1" vertOverflow="clip" horzOverflow="clip" vert="horz" wrap="square" lIns="36576" tIns="18288" rIns="36576" bIns="18288" anchor="ctr" anchorCtr="1">
-      <a:spAutoFit/>
-    </cs:bodyPr>
-  </cs:dataLabelCallout>
-  <cs:dataPoint>
-    <cs:lnRef idx="0"/>
-    <cs:fillRef idx="0">
-      <cs:styleClr val="auto"/>
-    </cs:fillRef>
-    <cs:effectRef idx="0"/>
-    <cs:fontRef idx="minor">
-      <a:schemeClr val="dk1"/>
-    </cs:fontRef>
-    <cs:spPr>
-      <a:solidFill>
-        <a:schemeClr val="phClr">
-          <a:alpha val="70000"/>
-        </a:schemeClr>
-      </a:solidFill>
-    </cs:spPr>
-  </cs:dataPoint>
-  <cs:dataPoint3D>
-    <cs:lnRef idx="0"/>
-    <cs:fillRef idx="0">
-      <cs:styleClr val="auto"/>
-    </cs:fillRef>
-    <cs:effectRef idx="0"/>
-    <cs:fontRef idx="minor">
-      <a:schemeClr val="dk1"/>
-    </cs:fontRef>
-    <cs:spPr>
-      <a:solidFill>
-        <a:schemeClr val="phClr">
-          <a:alpha val="70000"/>
-        </a:schemeClr>
-      </a:solidFill>
-    </cs:spPr>
-  </cs:dataPoint3D>
-  <cs:dataPointLine>
-    <cs:lnRef idx="0">
-      <cs:styleClr val="auto"/>
-    </cs:lnRef>
-    <cs:fillRef idx="0"/>
-    <cs:effectRef idx="0"/>
-    <cs:fontRef idx="minor">
-      <a:schemeClr val="dk1"/>
-    </cs:fontRef>
-    <cs:spPr>
-      <a:ln w="28575" cap="rnd">
-        <a:solidFill>
-          <a:schemeClr val="phClr">
-            <a:alpha val="70000"/>
-          </a:schemeClr>
-        </a:solidFill>
-        <a:round/>
-      </a:ln>
-    </cs:spPr>
-  </cs:dataPointLine>
-  <cs:dataPointMarker>
-    <cs:lnRef idx="0"/>
-    <cs:fillRef idx="0">
-      <cs:styleClr val="auto"/>
-    </cs:fillRef>
-    <cs:effectRef idx="0"/>
-    <cs:fontRef idx="minor">
-      <a:schemeClr val="dk1"/>
-    </cs:fontRef>
-    <cs:spPr>
-      <a:solidFill>
-        <a:schemeClr val="phClr">
-          <a:alpha val="70000"/>
-        </a:schemeClr>
-      </a:solidFill>
-    </cs:spPr>
-  </cs:dataPointMarker>
-  <cs:dataPointMarkerLayout symbol="circle" size="6"/>
-  <cs:dataPointWireframe>
-    <cs:lnRef idx="0">
-      <cs:styleClr val="auto"/>
-    </cs:lnRef>
-    <cs:fillRef idx="0"/>
-    <cs:effectRef idx="0"/>
-    <cs:fontRef idx="minor">
-      <a:schemeClr val="dk1"/>
-    </cs:fontRef>
-    <cs:spPr>
-      <a:ln w="9525" cap="rnd">
-        <a:solidFill>
-          <a:schemeClr val="phClr"/>
-        </a:solidFill>
-        <a:round/>
-      </a:ln>
-    </cs:spPr>
-  </cs:dataPointWireframe>
-  <cs:dataTable>
-    <cs:lnRef idx="0"/>
-    <cs:fillRef idx="0"/>
-    <cs:effectRef idx="0"/>
-    <cs:fontRef idx="minor">
-      <a:schemeClr val="tx1">
-        <a:lumMod val="65000"/>
-        <a:lumOff val="35000"/>
-      </a:schemeClr>
-    </cs:fontRef>
-    <cs:spPr>
-      <a:ln w="9525">
-        <a:solidFill>
-          <a:schemeClr val="tx1">
-            <a:lumMod val="15000"/>
-            <a:lumOff val="85000"/>
-          </a:schemeClr>
-        </a:solidFill>
-      </a:ln>
-    </cs:spPr>
-    <cs:defRPr sz="1197" kern="1200"/>
-  </cs:dataTable>
-  <cs:downBar>
-    <cs:lnRef idx="0"/>
-    <cs:fillRef idx="0"/>
-    <cs:effectRef idx="0"/>
-    <cs:fontRef idx="minor">
-      <a:schemeClr val="dk1"/>
-    </cs:fontRef>
-    <cs:spPr>
-      <a:solidFill>
-        <a:schemeClr val="dk1">
-          <a:lumMod val="75000"/>
-          <a:lumOff val="25000"/>
-        </a:schemeClr>
-      </a:solidFill>
-      <a:ln w="9525">
-        <a:solidFill>
-          <a:schemeClr val="tx1">
-            <a:lumMod val="65000"/>
-            <a:lumOff val="35000"/>
-          </a:schemeClr>
-        </a:solidFill>
-      </a:ln>
-    </cs:spPr>
-  </cs:downBar>
-  <cs:dropLine>
-    <cs:lnRef idx="0"/>
-    <cs:fillRef idx="0"/>
-    <cs:effectRef idx="0"/>
-    <cs:fontRef idx="minor">
-      <a:schemeClr val="dk1"/>
-    </cs:fontRef>
-    <cs:spPr>
-      <a:ln w="9525">
-        <a:solidFill>
-          <a:schemeClr val="tx1">
-            <a:lumMod val="35000"/>
-            <a:lumOff val="65000"/>
-          </a:schemeClr>
-        </a:solidFill>
-        <a:round/>
-      </a:ln>
-    </cs:spPr>
-  </cs:dropLine>
-  <cs:errorBar>
-    <cs:lnRef idx="0"/>
-    <cs:fillRef idx="0"/>
-    <cs:effectRef idx="0"/>
-    <cs:fontRef idx="minor">
-      <a:schemeClr val="dk1"/>
-    </cs:fontRef>
-    <cs:spPr>
-      <a:ln w="9525">
-        <a:solidFill>
-          <a:schemeClr val="tx1">
-            <a:lumMod val="65000"/>
-            <a:lumOff val="35000"/>
-          </a:schemeClr>
-        </a:solidFill>
-        <a:round/>
-      </a:ln>
-    </cs:spPr>
-  </cs:errorBar>
-  <cs:floor>
-    <cs:lnRef idx="0"/>
-    <cs:fillRef idx="0"/>
-    <cs:effectRef idx="0"/>
-    <cs:fontRef idx="minor">
-      <a:schemeClr val="dk1"/>
-    </cs:fontRef>
-  </cs:floor>
-  <cs:gridlineMajor>
-    <cs:lnRef idx="0"/>
-    <cs:fillRef idx="0"/>
-    <cs:effectRef idx="0"/>
-    <cs:fontRef idx="minor">
-      <a:schemeClr val="dk1"/>
-    </cs:fontRef>
-    <cs:spPr>
-      <a:ln w="9525" cap="flat" cmpd="sng" algn="ctr">
-        <a:solidFill>
-          <a:schemeClr val="tx1">
-            <a:lumMod val="5000"/>
-            <a:lumOff val="95000"/>
-          </a:schemeClr>
-        </a:solidFill>
-        <a:round/>
-      </a:ln>
-    </cs:spPr>
-  </cs:gridlineMajor>
-  <cs:gridlineMinor>
-    <cs:lnRef idx="0"/>
-    <cs:fillRef idx="0"/>
-    <cs:effectRef idx="0"/>
-    <cs:fontRef idx="minor">
-      <a:schemeClr val="dk1"/>
-    </cs:fontRef>
-    <cs:spPr>
-      <a:ln>
-        <a:solidFill>
-          <a:schemeClr val="tx1">
-            <a:lumMod val="5000"/>
-            <a:lumOff val="95000"/>
-          </a:schemeClr>
-        </a:solidFill>
-      </a:ln>
-    </cs:spPr>
-  </cs:gridlineMinor>
-  <cs:hiLoLine>
-    <cs:lnRef idx="0"/>
-    <cs:fillRef idx="0"/>
-    <cs:effectRef idx="0"/>
-    <cs:fontRef idx="minor">
-      <a:schemeClr val="dk1"/>
-    </cs:fontRef>
-    <cs:spPr>
-      <a:ln w="9525">
-        <a:solidFill>
-          <a:schemeClr val="tx1">
-            <a:lumMod val="35000"/>
-            <a:lumOff val="65000"/>
-          </a:schemeClr>
-        </a:solidFill>
-        <a:round/>
-      </a:ln>
-    </cs:spPr>
-  </cs:hiLoLine>
-  <cs:leaderLine>
-    <cs:lnRef idx="0"/>
-    <cs:fillRef idx="0"/>
-    <cs:effectRef idx="0"/>
-    <cs:fontRef idx="minor">
-      <a:schemeClr val="dk1"/>
-    </cs:fontRef>
-    <cs:spPr>
-      <a:ln w="9525">
-        <a:solidFill>
-          <a:schemeClr val="tx1">
-            <a:lumMod val="35000"/>
-            <a:lumOff val="65000"/>
-          </a:schemeClr>
-        </a:solidFill>
-      </a:ln>
-    </cs:spPr>
-  </cs:leaderLine>
-  <cs:legend>
-    <cs:lnRef idx="0"/>
-    <cs:fillRef idx="0"/>
-    <cs:effectRef idx="0"/>
-    <cs:fontRef idx="minor">
-      <a:schemeClr val="tx1">
-        <a:lumMod val="65000"/>
-        <a:lumOff val="35000"/>
-      </a:schemeClr>
-    </cs:fontRef>
-    <cs:defRPr sz="1197" kern="1200" baseline="0"/>
-  </cs:legend>
-  <cs:plotArea mods="allowNoFillOverride allowNoLineOverride">
-    <cs:lnRef idx="0"/>
-    <cs:fillRef idx="0"/>
-    <cs:effectRef idx="0"/>
-    <cs:fontRef idx="minor">
-      <a:schemeClr val="dk1"/>
-    </cs:fontRef>
-  </cs:plotArea>
-  <cs:plotArea3D mods="allowNoFillOverride allowNoLineOverride">
-    <cs:lnRef idx="0"/>
-    <cs:fillRef idx="0"/>
-    <cs:effectRef idx="0"/>
-    <cs:fontRef idx="minor">
-      <a:schemeClr val="dk1"/>
-    </cs:fontRef>
-  </cs:plotArea3D>
-  <cs:seriesAxis>
-    <cs:lnRef idx="0"/>
-    <cs:fillRef idx="0"/>
-    <cs:effectRef idx="0"/>
-    <cs:fontRef idx="minor">
-      <a:schemeClr val="tx1">
-        <a:lumMod val="65000"/>
-        <a:lumOff val="35000"/>
-      </a:schemeClr>
-    </cs:fontRef>
-    <cs:defRPr sz="1197" kern="1200"/>
-  </cs:seriesAxis>
-  <cs:seriesLine>
-    <cs:lnRef idx="0"/>
-    <cs:fillRef idx="0"/>
-    <cs:effectRef idx="0"/>
-    <cs:fontRef idx="minor">
-      <a:schemeClr val="dk1"/>
-    </cs:fontRef>
-    <cs:spPr>
-      <a:ln w="9525">
-        <a:solidFill>
-          <a:schemeClr val="tx1">
-            <a:lumMod val="35000"/>
-            <a:lumOff val="65000"/>
-          </a:schemeClr>
-        </a:solidFill>
-        <a:round/>
-      </a:ln>
-    </cs:spPr>
-  </cs:seriesLine>
-  <cs:title>
-    <cs:lnRef idx="0"/>
-    <cs:fillRef idx="0"/>
-    <cs:effectRef idx="0"/>
-    <cs:fontRef idx="major">
-      <a:schemeClr val="tx1">
-        <a:lumMod val="65000"/>
-        <a:lumOff val="35000"/>
-      </a:schemeClr>
-    </cs:fontRef>
-    <cs:defRPr sz="2128" b="0" i="0" kern="1200" cap="none" spc="50" normalizeH="0" baseline="0"/>
-  </cs:title>
-  <cs:trendline>
-    <cs:lnRef idx="0">
-      <cs:styleClr val="auto"/>
-    </cs:lnRef>
-    <cs:fillRef idx="0"/>
-    <cs:effectRef idx="0"/>
-    <cs:fontRef idx="minor">
-      <a:schemeClr val="dk1"/>
-    </cs:fontRef>
-    <cs:spPr>
-      <a:ln w="15875" cap="rnd">
-        <a:solidFill>
-          <a:schemeClr val="phClr"/>
-        </a:solidFill>
-      </a:ln>
-    </cs:spPr>
-  </cs:trendline>
-  <cs:trendlineLabel>
-    <cs:lnRef idx="0"/>
-    <cs:fillRef idx="0"/>
-    <cs:effectRef idx="0"/>
-    <cs:fontRef idx="minor">
-      <a:schemeClr val="tx1">
-        <a:lumMod val="65000"/>
-        <a:lumOff val="35000"/>
-      </a:schemeClr>
-    </cs:fontRef>
-    <cs:defRPr sz="1197" kern="1200"/>
-  </cs:trendlineLabel>
-  <cs:upBar>
-    <cs:lnRef idx="0"/>
-    <cs:fillRef idx="0"/>
-    <cs:effectRef idx="0"/>
-    <cs:fontRef idx="minor">
-      <a:schemeClr val="dk1"/>
-    </cs:fontRef>
-    <cs:spPr>
-      <a:solidFill>
-        <a:schemeClr val="lt1"/>
-      </a:solidFill>
-      <a:ln w="9525">
-        <a:solidFill>
-          <a:schemeClr val="tx1">
-            <a:lumMod val="65000"/>
-            <a:lumOff val="35000"/>
-          </a:schemeClr>
-        </a:solidFill>
-      </a:ln>
-    </cs:spPr>
-  </cs:upBar>
-  <cs:valueAxis>
-    <cs:lnRef idx="0"/>
-    <cs:fillRef idx="0"/>
-    <cs:effectRef idx="0"/>
-    <cs:fontRef idx="minor">
-      <a:schemeClr val="tx1">
-        <a:lumMod val="65000"/>
-        <a:lumOff val="35000"/>
-      </a:schemeClr>
-    </cs:fontRef>
-    <cs:defRPr sz="1197" kern="1200" spc="20" baseline="0"/>
-  </cs:valueAxis>
-  <cs:wall>
-    <cs:lnRef idx="0"/>
-    <cs:fillRef idx="0"/>
-    <cs:effectRef idx="0"/>
-    <cs:fontRef idx="minor">
-      <a:schemeClr val="dk1"/>
-    </cs:fontRef>
-  </cs:wall>
-</cs:chartStyle>
-</file>
-
 <file path=ppt/handoutMasters/handoutMaster1.xml><?xml version="1.0" encoding="utf-8"?>
 <p:handoutMaster xmlns:a="http://schemas.openxmlformats.org/drawingml/2006/main" xmlns:r="http://schemas.openxmlformats.org/officeDocument/2006/relationships" xmlns:p="http://schemas.openxmlformats.org/presentationml/2006/main">
   <p:cSld>
@@ -1191,7 +203,7 @@
           <a:p>
             <a:fld id="{F1C0B079-A316-4C9B-B165-DF9EA8325D2C}" type="datetimeFigureOut">
               <a:rPr lang="en-US" smtClean="0"/>
-              <a:t>12/7/2025</a:t>
+              <a:t>12/8/2025</a:t>
             </a:fld>
             <a:endParaRPr lang="en-US"/>
           </a:p>
@@ -1356,7 +368,7 @@
           <a:p>
             <a:fld id="{38F28AB8-57D1-494F-9851-055AD867E790}" type="datetimeFigureOut">
               <a:rPr lang="en-US" smtClean="0"/>
-              <a:t>12/7/2025</a:t>
+              <a:t>12/8/2025</a:t>
             </a:fld>
             <a:endParaRPr lang="en-US"/>
           </a:p>
@@ -4904,7 +3916,7 @@
           <a:p>
             <a:fld id="{ECAA57DF-1C19-4726-AB84-014692BAD8F5}" type="datetimeFigureOut">
               <a:rPr lang="en-US" smtClean="0"/>
-              <a:t>12/7/2025</a:t>
+              <a:t>12/8/2025</a:t>
             </a:fld>
             <a:endParaRPr lang="en-US"/>
           </a:p>
@@ -5243,7 +4255,7 @@
             <a:fld id="{ECAA57DF-1C19-4726-AB84-014692BAD8F5}" type="datetimeFigureOut">
               <a:rPr lang="en-US" smtClean="0"/>
               <a:pPr/>
-              <a:t>12/7/2025</a:t>
+              <a:t>12/8/2025</a:t>
             </a:fld>
             <a:endParaRPr lang="en-US"/>
           </a:p>
@@ -5802,14 +4814,23 @@
             <p:ph type="title"/>
           </p:nvPr>
         </p:nvSpPr>
-        <p:spPr/>
+        <p:spPr>
+          <a:xfrm>
+            <a:off x="1158240" y="685860"/>
+            <a:ext cx="30175200" cy="2188845"/>
+          </a:xfrm>
+        </p:spPr>
         <p:txBody>
           <a:bodyPr/>
           <a:lstStyle/>
           <a:p>
             <a:r>
-              <a:rPr lang="en-US" dirty="0"/>
-              <a:t>Database Project Title</a:t>
+              <a:rPr lang="en-US" dirty="0" err="1"/>
+              <a:t>Raquet</a:t>
+            </a:r>
+            <a:r>
+              <a:rPr lang="en-US" dirty="0"/>
+              <a:t> Club</a:t>
             </a:r>
           </a:p>
         </p:txBody>
@@ -5831,7 +4852,7 @@
           <a:p>
             <a:r>
               <a:rPr lang="en-US" dirty="0"/>
-              <a:t>Your name | Huntington University | CS 415 Database Management – Fall 2025 - Final Project</a:t>
+              <a:t>Isabella Herrera| Huntington University | CS 415 Database Management – Fall 2025 - Final Project</a:t>
             </a:r>
           </a:p>
         </p:txBody>
@@ -5870,26 +4891,102 @@
         </p:nvSpPr>
         <p:spPr>
           <a:xfrm>
-            <a:off x="1188720" y="7137184"/>
-            <a:ext cx="12801600" cy="3808991"/>
+            <a:off x="1188719" y="7137184"/>
+            <a:ext cx="12755881" cy="5795278"/>
           </a:xfrm>
         </p:spPr>
         <p:txBody>
-          <a:bodyPr/>
+          <a:bodyPr>
+            <a:noAutofit/>
+          </a:bodyPr>
           <a:lstStyle/>
           <a:p>
-            <a:endParaRPr lang="en-US" dirty="0"/>
-          </a:p>
-          <a:p>
-            <a:r>
-              <a:rPr lang="en-US" dirty="0"/>
-              <a:t>Describe the business/organization/person that will use your database.</a:t>
-            </a:r>
-          </a:p>
-          <a:p>
-            <a:r>
-              <a:rPr lang="en-US" dirty="0"/>
-              <a:t>Describing how the database will be used from a user’s perspective.</a:t>
+            <a:pPr algn="l"/>
+            <a:r>
+              <a:rPr lang="en-US" sz="2500" i="0" dirty="0">
+                <a:solidFill>
+                  <a:srgbClr val="1F2328"/>
+                </a:solidFill>
+                <a:effectLst/>
+              </a:rPr>
+              <a:t>Company</a:t>
+            </a:r>
+            <a:r>
+              <a:rPr lang="en-US" sz="2500" b="1" i="0" dirty="0">
+                <a:solidFill>
+                  <a:srgbClr val="1F2328"/>
+                </a:solidFill>
+                <a:effectLst/>
+              </a:rPr>
+              <a:t> </a:t>
+            </a:r>
+            <a:r>
+              <a:rPr lang="en-US" sz="2500" b="0" i="0" dirty="0">
+                <a:solidFill>
+                  <a:srgbClr val="1F2328"/>
+                </a:solidFill>
+                <a:effectLst/>
+              </a:rPr>
+              <a:t>based in Fort Wayne that specializes in sports involving racquets, such as Tennis, pickleball, Paddle, and racquetball. </a:t>
+            </a:r>
+          </a:p>
+          <a:p>
+            <a:pPr algn="l"/>
+            <a:r>
+              <a:rPr lang="en-US" sz="2500" b="0" i="0" dirty="0">
+                <a:solidFill>
+                  <a:srgbClr val="1F2328"/>
+                </a:solidFill>
+                <a:effectLst/>
+              </a:rPr>
+              <a:t>The club offers multiple courts and coaching sessions for clients of all ages and experiences.</a:t>
+            </a:r>
+          </a:p>
+          <a:p>
+            <a:pPr algn="l"/>
+            <a:r>
+              <a:rPr lang="en-US" sz="2500" b="0" i="0" dirty="0">
+                <a:solidFill>
+                  <a:srgbClr val="1F2328"/>
+                </a:solidFill>
+                <a:effectLst/>
+              </a:rPr>
+              <a:t>The primary users of this database will be the company's analyst, financial team and service personnel.</a:t>
+            </a:r>
+          </a:p>
+          <a:p>
+            <a:pPr marL="0" indent="0" algn="l">
+              <a:buNone/>
+            </a:pPr>
+            <a:r>
+              <a:rPr lang="en-US" sz="2500" b="1" dirty="0">
+                <a:solidFill>
+                  <a:srgbClr val="1F2328"/>
+                </a:solidFill>
+              </a:rPr>
+              <a:t>User’s perspective</a:t>
+            </a:r>
+          </a:p>
+          <a:p>
+            <a:r>
+              <a:rPr lang="en-US" sz="2500" b="0" i="0" dirty="0">
+                <a:solidFill>
+                  <a:srgbClr val="1F2328"/>
+                </a:solidFill>
+                <a:effectLst/>
+              </a:rPr>
+              <a:t> The service personnel can quickly view customers' upcoming courts and times, history, profile and weather a customer is new or returning. They can also check the availability of coaches, and identify open time slots for walk in sessions or last-minute appointments.</a:t>
+            </a:r>
+          </a:p>
+          <a:p>
+            <a:r>
+              <a:rPr lang="en-US" sz="2500" b="0" i="0" dirty="0">
+                <a:solidFill>
+                  <a:srgbClr val="1F2328"/>
+                </a:solidFill>
+                <a:effectLst/>
+              </a:rPr>
+              <a:t>allow the staff to create meaningful reports for management</a:t>
             </a:r>
           </a:p>
         </p:txBody>
@@ -5906,7 +5003,7 @@
         </p:nvSpPr>
         <p:spPr>
           <a:xfrm>
-            <a:off x="1188720" y="21972225"/>
+            <a:off x="1188719" y="22658642"/>
             <a:ext cx="12801600" cy="1219200"/>
           </a:xfrm>
         </p:spPr>
@@ -5978,16 +5075,553 @@
         <p:spPr>
           <a:xfrm>
             <a:off x="15544800" y="15966908"/>
-            <a:ext cx="12801600" cy="15436636"/>
+            <a:ext cx="12801600" cy="16265632"/>
           </a:xfrm>
         </p:spPr>
         <p:txBody>
-          <a:bodyPr/>
+          <a:bodyPr>
+            <a:normAutofit fontScale="92500" lnSpcReduction="20000"/>
+          </a:bodyPr>
           <a:lstStyle/>
           <a:p>
             <a:r>
-              <a:rPr lang="en-US" dirty="0"/>
-              <a:t>Describe or show key queries</a:t>
+              <a:rPr lang="en-US" sz="2500" b="1" dirty="0"/>
+              <a:t>-- Query 4: Count reservations per customer and show only those with more than 2 reservations</a:t>
+            </a:r>
+          </a:p>
+          <a:p>
+            <a:pPr marL="0" indent="0">
+              <a:buNone/>
+            </a:pPr>
+            <a:r>
+              <a:rPr lang="en-US" sz="2500" dirty="0"/>
+              <a:t>SELECT </a:t>
+            </a:r>
+            <a:r>
+              <a:rPr lang="en-US" sz="2500" dirty="0" err="1"/>
+              <a:t>id_customer</a:t>
+            </a:r>
+            <a:r>
+              <a:rPr lang="en-US" sz="2500" dirty="0"/>
+              <a:t>, COUNT(</a:t>
+            </a:r>
+            <a:r>
+              <a:rPr lang="en-US" sz="2500" dirty="0" err="1"/>
+              <a:t>id_reservation</a:t>
+            </a:r>
+            <a:r>
+              <a:rPr lang="en-US" sz="2500" dirty="0"/>
+              <a:t>) AS </a:t>
+            </a:r>
+            <a:r>
+              <a:rPr lang="en-US" sz="2500" dirty="0" err="1"/>
+              <a:t>total_reservations</a:t>
+            </a:r>
+            <a:endParaRPr lang="en-US" sz="2500" dirty="0"/>
+          </a:p>
+          <a:p>
+            <a:pPr marL="0" indent="0">
+              <a:buNone/>
+            </a:pPr>
+            <a:r>
+              <a:rPr lang="en-US" sz="2500" dirty="0"/>
+              <a:t>FROM </a:t>
+            </a:r>
+            <a:r>
+              <a:rPr lang="en-US" sz="2500" dirty="0" err="1"/>
+              <a:t>customer_reservation</a:t>
+            </a:r>
+            <a:endParaRPr lang="en-US" sz="2500" dirty="0"/>
+          </a:p>
+          <a:p>
+            <a:pPr marL="0" indent="0">
+              <a:buNone/>
+            </a:pPr>
+            <a:r>
+              <a:rPr lang="en-US" sz="2500" dirty="0"/>
+              <a:t>GROUP BY </a:t>
+            </a:r>
+            <a:r>
+              <a:rPr lang="en-US" sz="2500" dirty="0" err="1"/>
+              <a:t>id_customer</a:t>
+            </a:r>
+            <a:endParaRPr lang="en-US" sz="2500" dirty="0"/>
+          </a:p>
+          <a:p>
+            <a:pPr marL="0" indent="0">
+              <a:buNone/>
+            </a:pPr>
+            <a:r>
+              <a:rPr lang="en-US" sz="2500" dirty="0"/>
+              <a:t>HAVING COUNT(</a:t>
+            </a:r>
+            <a:r>
+              <a:rPr lang="en-US" sz="2500" dirty="0" err="1"/>
+              <a:t>id_reservation</a:t>
+            </a:r>
+            <a:r>
+              <a:rPr lang="en-US" sz="2500" dirty="0"/>
+              <a:t>) &gt; 2;</a:t>
+            </a:r>
+          </a:p>
+          <a:p>
+            <a:pPr marL="0" indent="0">
+              <a:buNone/>
+            </a:pPr>
+            <a:endParaRPr lang="en-US" sz="2500" dirty="0"/>
+          </a:p>
+          <a:p>
+            <a:pPr marL="0" indent="0">
+              <a:buNone/>
+            </a:pPr>
+            <a:r>
+              <a:rPr lang="en-US" sz="2500" b="1" dirty="0"/>
+              <a:t>-- Query 5: Join reservation, customer, coach, court to show reservations without coach</a:t>
+            </a:r>
+          </a:p>
+          <a:p>
+            <a:pPr marL="0" indent="0">
+              <a:buNone/>
+            </a:pPr>
+            <a:r>
+              <a:rPr lang="en-US" sz="2500" dirty="0"/>
+              <a:t>SELECT </a:t>
+            </a:r>
+          </a:p>
+          <a:p>
+            <a:pPr marL="0" indent="0">
+              <a:buNone/>
+            </a:pPr>
+            <a:r>
+              <a:rPr lang="en-US" sz="2500" dirty="0"/>
+              <a:t>  </a:t>
+            </a:r>
+            <a:r>
+              <a:rPr lang="en-US" sz="2500" dirty="0" err="1"/>
+              <a:t>a.id_reservation</a:t>
+            </a:r>
+            <a:r>
+              <a:rPr lang="en-US" sz="2500" dirty="0"/>
+              <a:t>, </a:t>
+            </a:r>
+          </a:p>
+          <a:p>
+            <a:pPr marL="0" indent="0">
+              <a:buNone/>
+            </a:pPr>
+            <a:r>
+              <a:rPr lang="en-US" sz="2500" dirty="0"/>
+              <a:t>  CONCAT(b.name, " ", </a:t>
+            </a:r>
+            <a:r>
+              <a:rPr lang="en-US" sz="2500" dirty="0" err="1"/>
+              <a:t>b.last_name</a:t>
+            </a:r>
+            <a:r>
+              <a:rPr lang="en-US" sz="2500" dirty="0"/>
+              <a:t>) AS "Customer", </a:t>
+            </a:r>
+          </a:p>
+          <a:p>
+            <a:pPr marL="0" indent="0">
+              <a:buNone/>
+            </a:pPr>
+            <a:r>
+              <a:rPr lang="en-US" sz="2500" dirty="0"/>
+              <a:t>  </a:t>
+            </a:r>
+            <a:r>
+              <a:rPr lang="en-US" sz="2500" dirty="0" err="1"/>
+              <a:t>c.court_name</a:t>
+            </a:r>
+            <a:r>
+              <a:rPr lang="en-US" sz="2500" dirty="0"/>
+              <a:t>, </a:t>
+            </a:r>
+          </a:p>
+          <a:p>
+            <a:pPr marL="0" indent="0">
+              <a:buNone/>
+            </a:pPr>
+            <a:r>
+              <a:rPr lang="en-US" sz="2500" dirty="0"/>
+              <a:t>  </a:t>
+            </a:r>
+            <a:r>
+              <a:rPr lang="en-US" sz="2500" dirty="0" err="1"/>
+              <a:t>c.base_price</a:t>
+            </a:r>
+            <a:r>
+              <a:rPr lang="en-US" sz="2500" dirty="0"/>
+              <a:t>, </a:t>
+            </a:r>
+          </a:p>
+          <a:p>
+            <a:pPr marL="0" indent="0">
+              <a:buNone/>
+            </a:pPr>
+            <a:r>
+              <a:rPr lang="en-US" sz="2500" dirty="0"/>
+              <a:t>  CONCAT(</a:t>
+            </a:r>
+            <a:r>
+              <a:rPr lang="en-US" sz="2500" dirty="0" err="1"/>
+              <a:t>d.coach_name</a:t>
+            </a:r>
+            <a:r>
+              <a:rPr lang="en-US" sz="2500" dirty="0"/>
+              <a:t>, " ", </a:t>
+            </a:r>
+            <a:r>
+              <a:rPr lang="en-US" sz="2500" dirty="0" err="1"/>
+              <a:t>d.coach_last_name</a:t>
+            </a:r>
+            <a:r>
+              <a:rPr lang="en-US" sz="2500" dirty="0"/>
+              <a:t>) AS "Coach" </a:t>
+            </a:r>
+          </a:p>
+          <a:p>
+            <a:pPr marL="0" indent="0">
+              <a:buNone/>
+            </a:pPr>
+            <a:r>
+              <a:rPr lang="en-US" sz="2500" dirty="0"/>
+              <a:t>  FROM </a:t>
+            </a:r>
+            <a:r>
+              <a:rPr lang="en-US" sz="2500" dirty="0" err="1"/>
+              <a:t>customer_reservation</a:t>
+            </a:r>
+            <a:r>
+              <a:rPr lang="en-US" sz="2500" dirty="0"/>
+              <a:t> AS a </a:t>
+            </a:r>
+          </a:p>
+          <a:p>
+            <a:pPr marL="0" indent="0">
+              <a:buNone/>
+            </a:pPr>
+            <a:r>
+              <a:rPr lang="en-US" sz="2500" dirty="0"/>
+              <a:t>JOIN customer AS b ON </a:t>
+            </a:r>
+            <a:r>
+              <a:rPr lang="en-US" sz="2500" dirty="0" err="1"/>
+              <a:t>a.id_customer</a:t>
+            </a:r>
+            <a:r>
+              <a:rPr lang="en-US" sz="2500" dirty="0"/>
+              <a:t> = </a:t>
+            </a:r>
+            <a:r>
+              <a:rPr lang="en-US" sz="2500" dirty="0" err="1"/>
+              <a:t>b.id_customer</a:t>
+            </a:r>
+            <a:endParaRPr lang="en-US" sz="2500" dirty="0"/>
+          </a:p>
+          <a:p>
+            <a:pPr marL="0" indent="0">
+              <a:buNone/>
+            </a:pPr>
+            <a:r>
+              <a:rPr lang="en-US" sz="2500" dirty="0"/>
+              <a:t>JOIN courts AS c ON </a:t>
+            </a:r>
+            <a:r>
+              <a:rPr lang="en-US" sz="2500" dirty="0" err="1"/>
+              <a:t>a.courts_id_court</a:t>
+            </a:r>
+            <a:r>
+              <a:rPr lang="en-US" sz="2500" dirty="0"/>
+              <a:t> = </a:t>
+            </a:r>
+            <a:r>
+              <a:rPr lang="en-US" sz="2500" dirty="0" err="1"/>
+              <a:t>c.id_court</a:t>
+            </a:r>
+            <a:endParaRPr lang="en-US" sz="2500" dirty="0"/>
+          </a:p>
+          <a:p>
+            <a:pPr marL="0" indent="0">
+              <a:buNone/>
+            </a:pPr>
+            <a:r>
+              <a:rPr lang="en-US" sz="2500" dirty="0"/>
+              <a:t>JOIN coach AS d ON </a:t>
+            </a:r>
+            <a:r>
+              <a:rPr lang="en-US" sz="2500" dirty="0" err="1"/>
+              <a:t>a.id_coach</a:t>
+            </a:r>
+            <a:r>
+              <a:rPr lang="en-US" sz="2500" dirty="0"/>
+              <a:t> = </a:t>
+            </a:r>
+            <a:r>
+              <a:rPr lang="en-US" sz="2500" dirty="0" err="1"/>
+              <a:t>d.id_coach</a:t>
+            </a:r>
+            <a:endParaRPr lang="en-US" sz="2500" dirty="0"/>
+          </a:p>
+          <a:p>
+            <a:pPr marL="0" indent="0">
+              <a:buNone/>
+            </a:pPr>
+            <a:r>
+              <a:rPr lang="en-US" sz="2500" dirty="0"/>
+              <a:t>LIMIT 20;</a:t>
+            </a:r>
+          </a:p>
+          <a:p>
+            <a:pPr marL="0" indent="0">
+              <a:buNone/>
+            </a:pPr>
+            <a:endParaRPr lang="en-US" sz="2500" dirty="0"/>
+          </a:p>
+          <a:p>
+            <a:pPr marL="0" indent="0">
+              <a:buNone/>
+            </a:pPr>
+            <a:r>
+              <a:rPr lang="en-US" sz="2500" dirty="0"/>
+              <a:t>If we use left join then we can see all the reservations even if coach is NULL</a:t>
+            </a:r>
+          </a:p>
+          <a:p>
+            <a:pPr marL="0" indent="0">
+              <a:buNone/>
+            </a:pPr>
+            <a:endParaRPr lang="en-US" sz="2500" dirty="0"/>
+          </a:p>
+          <a:p>
+            <a:pPr marL="0" indent="0">
+              <a:buNone/>
+            </a:pPr>
+            <a:r>
+              <a:rPr lang="en-US" sz="2500" b="1" dirty="0"/>
+              <a:t>-- Query 9: Create a view and then using it</a:t>
+            </a:r>
+          </a:p>
+          <a:p>
+            <a:pPr marL="0" indent="0">
+              <a:buNone/>
+            </a:pPr>
+            <a:r>
+              <a:rPr lang="en-US" sz="2500" dirty="0"/>
+              <a:t>CREATE VIEW </a:t>
+            </a:r>
+            <a:r>
+              <a:rPr lang="en-US" sz="2500" dirty="0" err="1"/>
+              <a:t>total_revenue</a:t>
+            </a:r>
+            <a:r>
+              <a:rPr lang="en-US" sz="2500" dirty="0"/>
+              <a:t> AS </a:t>
+            </a:r>
+          </a:p>
+          <a:p>
+            <a:pPr marL="0" indent="0">
+              <a:buNone/>
+            </a:pPr>
+            <a:r>
+              <a:rPr lang="en-US" sz="2500" dirty="0"/>
+              <a:t>SELECT </a:t>
+            </a:r>
+          </a:p>
+          <a:p>
+            <a:pPr marL="0" indent="0">
+              <a:buNone/>
+            </a:pPr>
+            <a:r>
+              <a:rPr lang="en-US" sz="2500" dirty="0"/>
+              <a:t>    </a:t>
+            </a:r>
+            <a:r>
+              <a:rPr lang="en-US" sz="2500" dirty="0" err="1"/>
+              <a:t>a.courts_id_court</a:t>
+            </a:r>
+            <a:r>
+              <a:rPr lang="en-US" sz="2500" dirty="0"/>
+              <a:t> AS </a:t>
+            </a:r>
+            <a:r>
+              <a:rPr lang="en-US" sz="2500" dirty="0" err="1"/>
+              <a:t>courts_id_court</a:t>
+            </a:r>
+            <a:r>
+              <a:rPr lang="en-US" sz="2500" dirty="0"/>
+              <a:t>,</a:t>
+            </a:r>
+          </a:p>
+          <a:p>
+            <a:pPr marL="0" indent="0">
+              <a:buNone/>
+            </a:pPr>
+            <a:r>
+              <a:rPr lang="en-US" sz="2500" dirty="0"/>
+              <a:t>    </a:t>
+            </a:r>
+            <a:r>
+              <a:rPr lang="en-US" sz="2500" dirty="0" err="1"/>
+              <a:t>c.court_name</a:t>
+            </a:r>
+            <a:r>
+              <a:rPr lang="en-US" sz="2500" dirty="0"/>
+              <a:t> AS </a:t>
+            </a:r>
+            <a:r>
+              <a:rPr lang="en-US" sz="2500" dirty="0" err="1"/>
+              <a:t>court_name</a:t>
+            </a:r>
+            <a:r>
+              <a:rPr lang="en-US" sz="2500" dirty="0"/>
+              <a:t>,</a:t>
+            </a:r>
+          </a:p>
+          <a:p>
+            <a:pPr marL="0" indent="0">
+              <a:buNone/>
+            </a:pPr>
+            <a:r>
+              <a:rPr lang="en-US" sz="2500" dirty="0"/>
+              <a:t>    SUM(</a:t>
+            </a:r>
+            <a:r>
+              <a:rPr lang="en-US" sz="2500" dirty="0" err="1"/>
+              <a:t>c.base_price</a:t>
+            </a:r>
+            <a:r>
+              <a:rPr lang="en-US" sz="2500" dirty="0"/>
+              <a:t>) AS </a:t>
+            </a:r>
+            <a:r>
+              <a:rPr lang="en-US" sz="2500" dirty="0" err="1"/>
+              <a:t>Total_Revenue</a:t>
+            </a:r>
+            <a:endParaRPr lang="en-US" sz="2500" dirty="0"/>
+          </a:p>
+          <a:p>
+            <a:pPr marL="0" indent="0">
+              <a:buNone/>
+            </a:pPr>
+            <a:r>
+              <a:rPr lang="en-US" sz="2500" dirty="0"/>
+              <a:t>FROM </a:t>
+            </a:r>
+            <a:r>
+              <a:rPr lang="en-US" sz="2500" dirty="0" err="1"/>
+              <a:t>customer_reservation</a:t>
+            </a:r>
+            <a:r>
+              <a:rPr lang="en-US" sz="2500" dirty="0"/>
+              <a:t> AS a</a:t>
+            </a:r>
+          </a:p>
+          <a:p>
+            <a:pPr marL="0" indent="0">
+              <a:buNone/>
+            </a:pPr>
+            <a:r>
+              <a:rPr lang="en-US" sz="2500" dirty="0"/>
+              <a:t>JOIN courts AS c </a:t>
+            </a:r>
+          </a:p>
+          <a:p>
+            <a:pPr marL="0" indent="0">
+              <a:buNone/>
+            </a:pPr>
+            <a:r>
+              <a:rPr lang="en-US" sz="2500" dirty="0"/>
+              <a:t>    ON </a:t>
+            </a:r>
+            <a:r>
+              <a:rPr lang="en-US" sz="2500" dirty="0" err="1"/>
+              <a:t>a.courts_id_court</a:t>
+            </a:r>
+            <a:r>
+              <a:rPr lang="en-US" sz="2500" dirty="0"/>
+              <a:t> = </a:t>
+            </a:r>
+            <a:r>
+              <a:rPr lang="en-US" sz="2500" dirty="0" err="1"/>
+              <a:t>c.id_court</a:t>
+            </a:r>
+            <a:endParaRPr lang="en-US" sz="2500" dirty="0"/>
+          </a:p>
+          <a:p>
+            <a:pPr marL="0" indent="0">
+              <a:buNone/>
+            </a:pPr>
+            <a:r>
+              <a:rPr lang="en-US" sz="2500" dirty="0"/>
+              <a:t>GROUP BY </a:t>
+            </a:r>
+          </a:p>
+          <a:p>
+            <a:pPr marL="0" indent="0">
+              <a:buNone/>
+            </a:pPr>
+            <a:r>
+              <a:rPr lang="en-US" sz="2500" dirty="0"/>
+              <a:t>    </a:t>
+            </a:r>
+            <a:r>
+              <a:rPr lang="en-US" sz="2500" dirty="0" err="1"/>
+              <a:t>a.courts_id_court</a:t>
+            </a:r>
+            <a:r>
+              <a:rPr lang="en-US" sz="2500" dirty="0"/>
+              <a:t>,</a:t>
+            </a:r>
+          </a:p>
+          <a:p>
+            <a:pPr marL="0" indent="0">
+              <a:buNone/>
+            </a:pPr>
+            <a:r>
+              <a:rPr lang="en-US" sz="2500" dirty="0"/>
+              <a:t>    </a:t>
+            </a:r>
+            <a:r>
+              <a:rPr lang="en-US" sz="2500" dirty="0" err="1"/>
+              <a:t>c.court_name</a:t>
+            </a:r>
+            <a:r>
+              <a:rPr lang="en-US" sz="2500" dirty="0"/>
+              <a:t>;</a:t>
+            </a:r>
+          </a:p>
+          <a:p>
+            <a:pPr marL="0" indent="0">
+              <a:buNone/>
+            </a:pPr>
+            <a:endParaRPr lang="en-US" sz="2500" dirty="0"/>
+          </a:p>
+          <a:p>
+            <a:pPr marL="0" indent="0">
+              <a:buNone/>
+            </a:pPr>
+            <a:r>
+              <a:rPr lang="en-US" sz="2500" dirty="0"/>
+              <a:t>-- Use the view</a:t>
+            </a:r>
+          </a:p>
+          <a:p>
+            <a:pPr marL="0" indent="0">
+              <a:buNone/>
+            </a:pPr>
+            <a:r>
+              <a:rPr lang="en-US" sz="2500" dirty="0"/>
+              <a:t>SELECT * from </a:t>
+            </a:r>
+            <a:r>
+              <a:rPr lang="en-US" sz="2500" dirty="0" err="1"/>
+              <a:t>total_revenue</a:t>
+            </a:r>
+            <a:r>
+              <a:rPr lang="en-US" sz="2500" dirty="0"/>
+              <a:t>;</a:t>
             </a:r>
           </a:p>
         </p:txBody>
@@ -6014,31 +5648,6 @@
           </a:p>
         </p:txBody>
       </p:sp>
-      <p:graphicFrame>
-        <p:nvGraphicFramePr>
-          <p:cNvPr id="19" name="Content Placeholder 18" descr="Clustered column chart" title="Chart"/>
-          <p:cNvGraphicFramePr>
-            <a:graphicFrameLocks noGrp="1"/>
-          </p:cNvGraphicFramePr>
-          <p:nvPr>
-            <p:ph sz="quarter" idx="32"/>
-            <p:extLst>
-              <p:ext uri="{D42A27DB-BD31-4B8C-83A1-F6EECF244321}">
-                <p14:modId xmlns:p14="http://schemas.microsoft.com/office/powerpoint/2010/main" val="4151009361"/>
-              </p:ext>
-            </p:extLst>
-          </p:nvPr>
-        </p:nvGraphicFramePr>
-        <p:xfrm>
-          <a:off x="29900563" y="7113588"/>
-          <a:ext cx="12801600" cy="7315200"/>
-        </p:xfrm>
-        <a:graphic>
-          <a:graphicData uri="http://schemas.openxmlformats.org/drawingml/2006/chart">
-            <c:chart xmlns:c="http://schemas.openxmlformats.org/drawingml/2006/chart" xmlns:r="http://schemas.openxmlformats.org/officeDocument/2006/relationships" r:id="rId2"/>
-          </a:graphicData>
-        </a:graphic>
-      </p:graphicFrame>
       <p:sp>
         <p:nvSpPr>
           <p:cNvPr id="6" name="Content Placeholder 5"/>
@@ -6049,15 +5658,81 @@
             <p:ph sz="quarter" idx="33"/>
           </p:nvPr>
         </p:nvSpPr>
-        <p:spPr/>
+        <p:spPr>
+          <a:xfrm>
+            <a:off x="29946600" y="18504420"/>
+            <a:ext cx="12801600" cy="4538610"/>
+          </a:xfrm>
+        </p:spPr>
         <p:txBody>
-          <a:bodyPr/>
+          <a:bodyPr>
+            <a:normAutofit fontScale="92500" lnSpcReduction="20000"/>
+          </a:bodyPr>
           <a:lstStyle/>
           <a:p>
-            <a:r>
-              <a:rPr lang="en-US" dirty="0"/>
-              <a:t>Show sample reports and/or charts</a:t>
-            </a:r>
+            <a:pPr marL="0" indent="0">
+              <a:buNone/>
+            </a:pPr>
+            <a:r>
+              <a:rPr lang="es-CO" b="1" dirty="0"/>
+              <a:t>Chart #1</a:t>
+            </a:r>
+          </a:p>
+          <a:p>
+            <a:r>
+              <a:rPr lang="en-US" dirty="0">
+                <a:solidFill>
+                  <a:srgbClr val="1F2328"/>
+                </a:solidFill>
+                <a:latin typeface="-apple-system"/>
+              </a:rPr>
+              <a:t>D</a:t>
+            </a:r>
+            <a:r>
+              <a:rPr lang="en-US" b="0" i="0" dirty="0">
+                <a:solidFill>
+                  <a:srgbClr val="1F2328"/>
+                </a:solidFill>
+                <a:effectLst/>
+                <a:latin typeface="-apple-system"/>
+              </a:rPr>
+              <a:t>isplays detailed reservation information, including the customer’s first and last name, the court reserved, whether a coach was required, and the full reservation date (year, month, and day)</a:t>
+            </a:r>
+            <a:endParaRPr lang="en-US" dirty="0"/>
+          </a:p>
+          <a:p>
+            <a:endParaRPr lang="en-US" dirty="0"/>
+          </a:p>
+          <a:p>
+            <a:pPr marL="0" indent="0">
+              <a:buNone/>
+            </a:pPr>
+            <a:r>
+              <a:rPr lang="en-US" b="1" dirty="0"/>
+              <a:t>Chart #2</a:t>
+            </a:r>
+          </a:p>
+          <a:p>
+            <a:r>
+              <a:rPr lang="en-US" dirty="0">
+                <a:solidFill>
+                  <a:srgbClr val="1F2328"/>
+                </a:solidFill>
+                <a:latin typeface="-apple-system"/>
+              </a:rPr>
+              <a:t>R</a:t>
+            </a:r>
+            <a:r>
+              <a:rPr lang="en-US" b="0" i="0" dirty="0">
+                <a:solidFill>
+                  <a:srgbClr val="1F2328"/>
+                </a:solidFill>
+                <a:effectLst/>
+                <a:latin typeface="-apple-system"/>
+              </a:rPr>
+              <a:t>epresents the number of courts reserved by customers in the year 2025. This visualization is useful for identifying trends across the three sports offered and helps determine which one is the most popular.</a:t>
+            </a:r>
+            <a:endParaRPr lang="en-US" dirty="0"/>
           </a:p>
         </p:txBody>
       </p:sp>
@@ -6071,7 +5746,12 @@
             <p:ph type="body" sz="quarter" idx="41"/>
           </p:nvPr>
         </p:nvSpPr>
-        <p:spPr/>
+        <p:spPr>
+          <a:xfrm>
+            <a:off x="30054936" y="23043030"/>
+            <a:ext cx="12801600" cy="1219200"/>
+          </a:xfrm>
+        </p:spPr>
         <p:txBody>
           <a:bodyPr/>
           <a:lstStyle/>
@@ -6093,14 +5773,48 @@
             <p:ph sz="quarter" idx="42"/>
           </p:nvPr>
         </p:nvSpPr>
-        <p:spPr/>
+        <p:spPr>
+          <a:xfrm>
+            <a:off x="30054936" y="24745232"/>
+            <a:ext cx="12801600" cy="4344786"/>
+          </a:xfrm>
+        </p:spPr>
         <p:txBody>
-          <a:bodyPr/>
+          <a:bodyPr>
+            <a:normAutofit/>
+          </a:bodyPr>
           <a:lstStyle/>
           <a:p>
-            <a:r>
-              <a:rPr lang="en-US" dirty="0"/>
-              <a:t>Describe Future Work</a:t>
+            <a:pPr marL="0" indent="0">
+              <a:buNone/>
+            </a:pPr>
+            <a:r>
+              <a:rPr lang="en-US" sz="2500" dirty="0"/>
+              <a:t>Several opportunities exist for future development of this project. </a:t>
+            </a:r>
+          </a:p>
+          <a:p>
+            <a:r>
+              <a:rPr lang="en-US" sz="2500" dirty="0"/>
+              <a:t>Implementing stored procedures or triggers to automatically calculate reservation pricing would improve consistency and reduce human error.</a:t>
+            </a:r>
+          </a:p>
+          <a:p>
+            <a:r>
+              <a:rPr lang="en-US" sz="2500" dirty="0"/>
+              <a:t>Data constraints, such as preventing double booking of courts or coaches, would strengthen data integrity. </a:t>
+            </a:r>
+          </a:p>
+          <a:p>
+            <a:r>
+              <a:rPr lang="en-US" sz="2500" dirty="0"/>
+              <a:t>Expanding the system to include payment management, membership tiers, and automated billing would create a more complete operational environment. </a:t>
+            </a:r>
+          </a:p>
+          <a:p>
+            <a:r>
+              <a:rPr lang="en-US" sz="2500" dirty="0"/>
+              <a:t>integrating a user interface or reporting module would support staff decision-making by providing real-time access to schedules, usage statistics, and customer information.</a:t>
             </a:r>
           </a:p>
         </p:txBody>
@@ -6115,7 +5829,12 @@
             <p:ph type="body" sz="quarter" idx="34"/>
           </p:nvPr>
         </p:nvSpPr>
-        <p:spPr/>
+        <p:spPr>
+          <a:xfrm>
+            <a:off x="30054936" y="29753758"/>
+            <a:ext cx="12801600" cy="1219200"/>
+          </a:xfrm>
+        </p:spPr>
         <p:txBody>
           <a:bodyPr/>
           <a:lstStyle/>
@@ -6138,49 +5857,46 @@
             <p:ph sz="quarter" idx="35"/>
           </p:nvPr>
         </p:nvSpPr>
-        <p:spPr/>
+        <p:spPr>
+          <a:xfrm>
+            <a:off x="30054936" y="31403544"/>
+            <a:ext cx="12801600" cy="1219200"/>
+          </a:xfrm>
+        </p:spPr>
         <p:txBody>
           <a:bodyPr/>
           <a:lstStyle/>
           <a:p>
             <a:r>
-              <a:rPr lang="en-US" dirty="0"/>
-              <a:t>Include print and electronic sources in alphabetical order</a:t>
-            </a:r>
+              <a:rPr lang="es-ES" dirty="0" err="1"/>
+              <a:t>OpenAI</a:t>
+            </a:r>
+            <a:r>
+              <a:rPr lang="es-ES" dirty="0"/>
+              <a:t>. (2025). </a:t>
+            </a:r>
+            <a:r>
+              <a:rPr lang="es-ES" i="1" dirty="0" err="1"/>
+              <a:t>ChatGPT</a:t>
+            </a:r>
+            <a:r>
+              <a:rPr lang="es-ES" i="1" dirty="0"/>
+              <a:t> (GPT‑5.1)</a:t>
+            </a:r>
+            <a:r>
+              <a:rPr lang="es-ES" dirty="0"/>
+              <a:t> [Modelo de lenguaje]. </a:t>
+            </a:r>
+            <a:r>
+              <a:rPr lang="es-ES" dirty="0">
+                <a:hlinkClick r:id="rId2"/>
+              </a:rPr>
+              <a:t>https://chat.openai.com</a:t>
+            </a:r>
+            <a:endParaRPr lang="en-US" dirty="0"/>
           </a:p>
         </p:txBody>
       </p:sp>
-      <p:pic>
-        <p:nvPicPr>
-          <p:cNvPr id="14" name="Picture Placeholder 13" descr="A close-up of a white background&#10;&#10;Description automatically generated">
-            <a:extLst>
-              <a:ext uri="{FF2B5EF4-FFF2-40B4-BE49-F238E27FC236}">
-                <a16:creationId xmlns:a16="http://schemas.microsoft.com/office/drawing/2014/main" id="{55F4468A-BD95-ED33-F17B-AD202F16153C}"/>
-              </a:ext>
-            </a:extLst>
-          </p:cNvPr>
-          <p:cNvPicPr>
-            <a:picLocks noGrp="1" noChangeAspect="1"/>
-          </p:cNvPicPr>
-          <p:nvPr>
-            <p:ph type="pic" sz="quarter" idx="43"/>
-          </p:nvPr>
-        </p:nvPicPr>
-        <p:blipFill>
-          <a:blip r:embed="rId3">
-            <a:extLst>
-              <a:ext uri="{28A0092B-C50C-407E-A947-70E740481C1C}">
-                <a14:useLocalDpi xmlns:a14="http://schemas.microsoft.com/office/drawing/2010/main" val="0"/>
-              </a:ext>
-            </a:extLst>
-          </a:blip>
-          <a:srcRect t="27960" b="27960"/>
-          <a:stretch>
-            <a:fillRect/>
-          </a:stretch>
-        </p:blipFill>
-        <p:spPr/>
-      </p:pic>
       <p:sp>
         <p:nvSpPr>
           <p:cNvPr id="10" name="Text Placeholder 9">
@@ -6199,7 +5915,7 @@
         </p:nvSpPr>
         <p:spPr>
           <a:xfrm>
-            <a:off x="1188720" y="11527430"/>
+            <a:off x="1188720" y="13241633"/>
             <a:ext cx="12801600" cy="1219200"/>
           </a:xfrm>
         </p:spPr>
@@ -6209,265 +5925,8 @@
           <a:p>
             <a:r>
               <a:rPr lang="en-US" dirty="0"/>
-              <a:t>Design</a:t>
-            </a:r>
-          </a:p>
-        </p:txBody>
-      </p:sp>
-      <p:sp>
-        <p:nvSpPr>
-          <p:cNvPr id="28" name="Content Placeholder 11">
-            <a:extLst>
-              <a:ext uri="{FF2B5EF4-FFF2-40B4-BE49-F238E27FC236}">
-                <a16:creationId xmlns:a16="http://schemas.microsoft.com/office/drawing/2014/main" id="{E50E5B5E-DD9F-CFEA-93B8-500866A01D35}"/>
-              </a:ext>
-            </a:extLst>
-          </p:cNvPr>
-          <p:cNvSpPr txBox="1">
-            <a:spLocks/>
-          </p:cNvSpPr>
-          <p:nvPr/>
-        </p:nvSpPr>
-        <p:spPr>
-          <a:xfrm>
-            <a:off x="1188720" y="13326658"/>
-            <a:ext cx="12801600" cy="3808991"/>
-          </a:xfrm>
-          <a:prstGeom prst="rect">
-            <a:avLst/>
-          </a:prstGeom>
-        </p:spPr>
-        <p:txBody>
-          <a:bodyPr vert="horz" lIns="91440" tIns="182880" rIns="91440" bIns="45720" rtlCol="0">
-            <a:normAutofit/>
-          </a:bodyPr>
-          <a:lstStyle>
-            <a:lvl1pPr marL="457200" indent="-457200" algn="l" defTabSz="4389120" rtl="0" eaLnBrk="1" latinLnBrk="0" hangingPunct="1">
-              <a:lnSpc>
-                <a:spcPct val="100000"/>
-              </a:lnSpc>
-              <a:spcBef>
-                <a:spcPts val="1200"/>
-              </a:spcBef>
-              <a:buClr>
-                <a:schemeClr val="bg1">
-                  <a:lumMod val="65000"/>
-                </a:schemeClr>
-              </a:buClr>
-              <a:buFont typeface="Arial" panose="020B0604020202020204" pitchFamily="34" charset="0"/>
-              <a:buChar char="•"/>
-              <a:defRPr sz="3200" kern="1200" baseline="0">
-                <a:solidFill>
-                  <a:schemeClr val="tx1"/>
-                </a:solidFill>
-                <a:latin typeface="+mn-lt"/>
-                <a:ea typeface="+mn-ea"/>
-                <a:cs typeface="+mn-cs"/>
-              </a:defRPr>
-            </a:lvl1pPr>
-            <a:lvl2pPr marL="1097280" indent="-457200" algn="l" defTabSz="4389120" rtl="0" eaLnBrk="1" latinLnBrk="0" hangingPunct="1">
-              <a:lnSpc>
-                <a:spcPct val="100000"/>
-              </a:lnSpc>
-              <a:spcBef>
-                <a:spcPts val="1200"/>
-              </a:spcBef>
-              <a:buClr>
-                <a:schemeClr val="bg1">
-                  <a:lumMod val="65000"/>
-                </a:schemeClr>
-              </a:buClr>
-              <a:buFont typeface="Arial" panose="020B0604020202020204" pitchFamily="34" charset="0"/>
-              <a:buChar char="•"/>
-              <a:defRPr sz="2800" kern="1200">
-                <a:solidFill>
-                  <a:schemeClr val="tx1"/>
-                </a:solidFill>
-                <a:latin typeface="+mn-lt"/>
-                <a:ea typeface="+mn-ea"/>
-                <a:cs typeface="+mn-cs"/>
-              </a:defRPr>
-            </a:lvl2pPr>
-            <a:lvl3pPr marL="1097280" indent="-457200" algn="l" defTabSz="4389120" rtl="0" eaLnBrk="1" latinLnBrk="0" hangingPunct="1">
-              <a:lnSpc>
-                <a:spcPct val="100000"/>
-              </a:lnSpc>
-              <a:spcBef>
-                <a:spcPts val="1200"/>
-              </a:spcBef>
-              <a:buClr>
-                <a:schemeClr val="bg1">
-                  <a:lumMod val="65000"/>
-                </a:schemeClr>
-              </a:buClr>
-              <a:buFont typeface="Arial" panose="020B0604020202020204" pitchFamily="34" charset="0"/>
-              <a:buChar char="•"/>
-              <a:defRPr sz="2800" kern="1200">
-                <a:solidFill>
-                  <a:schemeClr val="tx1"/>
-                </a:solidFill>
-                <a:latin typeface="+mn-lt"/>
-                <a:ea typeface="+mn-ea"/>
-                <a:cs typeface="+mn-cs"/>
-              </a:defRPr>
-            </a:lvl3pPr>
-            <a:lvl4pPr marL="1097280" indent="-457200" algn="l" defTabSz="4389120" rtl="0" eaLnBrk="1" latinLnBrk="0" hangingPunct="1">
-              <a:lnSpc>
-                <a:spcPct val="100000"/>
-              </a:lnSpc>
-              <a:spcBef>
-                <a:spcPts val="1200"/>
-              </a:spcBef>
-              <a:buClr>
-                <a:schemeClr val="bg1">
-                  <a:lumMod val="65000"/>
-                </a:schemeClr>
-              </a:buClr>
-              <a:buFont typeface="Arial" panose="020B0604020202020204" pitchFamily="34" charset="0"/>
-              <a:buChar char="•"/>
-              <a:defRPr sz="2800" kern="1200">
-                <a:solidFill>
-                  <a:schemeClr val="tx1"/>
-                </a:solidFill>
-                <a:latin typeface="+mn-lt"/>
-                <a:ea typeface="+mn-ea"/>
-                <a:cs typeface="+mn-cs"/>
-              </a:defRPr>
-            </a:lvl4pPr>
-            <a:lvl5pPr marL="1097280" indent="-457200" algn="l" defTabSz="4389120" rtl="0" eaLnBrk="1" latinLnBrk="0" hangingPunct="1">
-              <a:lnSpc>
-                <a:spcPct val="100000"/>
-              </a:lnSpc>
-              <a:spcBef>
-                <a:spcPts val="1200"/>
-              </a:spcBef>
-              <a:buClr>
-                <a:schemeClr val="bg1">
-                  <a:lumMod val="65000"/>
-                </a:schemeClr>
-              </a:buClr>
-              <a:buFont typeface="Arial" panose="020B0604020202020204" pitchFamily="34" charset="0"/>
-              <a:buChar char="•"/>
-              <a:defRPr sz="2800" kern="1200">
-                <a:solidFill>
-                  <a:schemeClr val="tx1"/>
-                </a:solidFill>
-                <a:latin typeface="+mn-lt"/>
-                <a:ea typeface="+mn-ea"/>
-                <a:cs typeface="+mn-cs"/>
-              </a:defRPr>
-            </a:lvl5pPr>
-            <a:lvl6pPr marL="1097280" indent="-457200" algn="l" defTabSz="4389120" rtl="0" eaLnBrk="1" latinLnBrk="0" hangingPunct="1">
-              <a:lnSpc>
-                <a:spcPct val="100000"/>
-              </a:lnSpc>
-              <a:spcBef>
-                <a:spcPts val="1200"/>
-              </a:spcBef>
-              <a:buClr>
-                <a:schemeClr val="bg1">
-                  <a:lumMod val="65000"/>
-                </a:schemeClr>
-              </a:buClr>
-              <a:buFont typeface="Arial" panose="020B0604020202020204" pitchFamily="34" charset="0"/>
-              <a:buChar char="•"/>
-              <a:defRPr sz="2800" kern="1200">
-                <a:solidFill>
-                  <a:schemeClr val="tx1"/>
-                </a:solidFill>
-                <a:latin typeface="+mn-lt"/>
-                <a:ea typeface="+mn-ea"/>
-                <a:cs typeface="+mn-cs"/>
-              </a:defRPr>
-            </a:lvl6pPr>
-            <a:lvl7pPr marL="1097280" indent="-457200" algn="l" defTabSz="4389120" rtl="0" eaLnBrk="1" latinLnBrk="0" hangingPunct="1">
-              <a:lnSpc>
-                <a:spcPct val="100000"/>
-              </a:lnSpc>
-              <a:spcBef>
-                <a:spcPts val="1200"/>
-              </a:spcBef>
-              <a:buClr>
-                <a:schemeClr val="bg1">
-                  <a:lumMod val="65000"/>
-                </a:schemeClr>
-              </a:buClr>
-              <a:buFont typeface="Arial" panose="020B0604020202020204" pitchFamily="34" charset="0"/>
-              <a:buChar char="•"/>
-              <a:defRPr sz="2800" kern="1200">
-                <a:solidFill>
-                  <a:schemeClr val="tx1"/>
-                </a:solidFill>
-                <a:latin typeface="+mn-lt"/>
-                <a:ea typeface="+mn-ea"/>
-                <a:cs typeface="+mn-cs"/>
-              </a:defRPr>
-            </a:lvl7pPr>
-            <a:lvl8pPr marL="1097280" indent="-457200" algn="l" defTabSz="4389120" rtl="0" eaLnBrk="1" latinLnBrk="0" hangingPunct="1">
-              <a:lnSpc>
-                <a:spcPct val="100000"/>
-              </a:lnSpc>
-              <a:spcBef>
-                <a:spcPts val="1200"/>
-              </a:spcBef>
-              <a:buClr>
-                <a:schemeClr val="bg1">
-                  <a:lumMod val="65000"/>
-                </a:schemeClr>
-              </a:buClr>
-              <a:buFont typeface="Arial" panose="020B0604020202020204" pitchFamily="34" charset="0"/>
-              <a:buChar char="•"/>
-              <a:defRPr sz="2800" kern="1200">
-                <a:solidFill>
-                  <a:schemeClr val="tx1"/>
-                </a:solidFill>
-                <a:latin typeface="+mn-lt"/>
-                <a:ea typeface="+mn-ea"/>
-                <a:cs typeface="+mn-cs"/>
-              </a:defRPr>
-            </a:lvl8pPr>
-            <a:lvl9pPr marL="1097280" indent="-457200" algn="l" defTabSz="4389120" rtl="0" eaLnBrk="1" latinLnBrk="0" hangingPunct="1">
-              <a:lnSpc>
-                <a:spcPct val="100000"/>
-              </a:lnSpc>
-              <a:spcBef>
-                <a:spcPts val="1200"/>
-              </a:spcBef>
-              <a:buClr>
-                <a:schemeClr val="bg1">
-                  <a:lumMod val="65000"/>
-                </a:schemeClr>
-              </a:buClr>
-              <a:buFont typeface="Arial" panose="020B0604020202020204" pitchFamily="34" charset="0"/>
-              <a:buChar char="•"/>
-              <a:defRPr sz="2800" kern="1200">
-                <a:solidFill>
-                  <a:schemeClr val="tx1"/>
-                </a:solidFill>
-                <a:latin typeface="+mn-lt"/>
-                <a:ea typeface="+mn-ea"/>
-                <a:cs typeface="+mn-cs"/>
-              </a:defRPr>
-            </a:lvl9pPr>
-          </a:lstStyle>
-          <a:p>
-            <a:r>
-              <a:rPr lang="en-US" dirty="0"/>
-              <a:t>Describe the overall design for your database, including any issues or design choices you made as part of the normalization process.</a:t>
-            </a:r>
-          </a:p>
-          <a:p>
-            <a:r>
-              <a:rPr lang="en-US" dirty="0"/>
-              <a:t>Describe the purpose of each table in your database.</a:t>
-            </a:r>
-          </a:p>
-          <a:p>
-            <a:pPr marL="0" indent="0">
-              <a:buFont typeface="Arial" panose="020B0604020202020204" pitchFamily="34" charset="0"/>
-              <a:buNone/>
-            </a:pPr>
-            <a:endParaRPr lang="en-US" dirty="0"/>
+              <a:t>Database Design</a:t>
+            </a:r>
           </a:p>
         </p:txBody>
       </p:sp>
@@ -6488,7 +5947,7 @@
         <p:spPr>
           <a:xfrm>
             <a:off x="15544800" y="7049509"/>
-            <a:ext cx="12801600" cy="7072117"/>
+            <a:ext cx="5425440" cy="7072117"/>
           </a:xfrm>
           <a:prstGeom prst="rect">
             <a:avLst/>
@@ -6708,10 +6167,107 @@
             </a:lvl9pPr>
           </a:lstStyle>
           <a:p>
-            <a:r>
-              <a:rPr lang="en-US" dirty="0"/>
-              <a:t>Describe sample data for each table</a:t>
-            </a:r>
+            <a:pPr marL="0" indent="0">
+              <a:buNone/>
+            </a:pPr>
+            <a:r>
+              <a:rPr lang="en-US" sz="3200" b="1" dirty="0"/>
+              <a:t>Coach</a:t>
+            </a:r>
+          </a:p>
+          <a:p>
+            <a:r>
+              <a:rPr lang="en-US" dirty="0" err="1"/>
+              <a:t>Id_coach</a:t>
+            </a:r>
+            <a:endParaRPr lang="en-US" sz="3200" b="0" dirty="0">
+              <a:effectLst/>
+            </a:endParaRPr>
+          </a:p>
+          <a:p>
+            <a:pPr marL="0" indent="0">
+              <a:buNone/>
+            </a:pPr>
+            <a:r>
+              <a:rPr lang="en-US" sz="3200" b="1" dirty="0">
+                <a:effectLst/>
+              </a:rPr>
+              <a:t>Courts</a:t>
+            </a:r>
+          </a:p>
+          <a:p>
+            <a:r>
+              <a:rPr lang="en-US" dirty="0" err="1"/>
+              <a:t>Courts_id_courts</a:t>
+            </a:r>
+            <a:endParaRPr lang="en-US" sz="3200" b="0" dirty="0">
+              <a:effectLst/>
+            </a:endParaRPr>
+          </a:p>
+          <a:p>
+            <a:pPr marL="0" indent="0">
+              <a:buNone/>
+            </a:pPr>
+            <a:r>
+              <a:rPr lang="en-US" sz="3200" b="1" dirty="0">
+                <a:effectLst/>
+              </a:rPr>
+              <a:t>Reservation</a:t>
+            </a:r>
+          </a:p>
+          <a:p>
+            <a:r>
+              <a:rPr lang="en-US" dirty="0" err="1"/>
+              <a:t>Id_reservation</a:t>
+            </a:r>
+            <a:endParaRPr lang="en-US" sz="3200" b="0" dirty="0">
+              <a:effectLst/>
+            </a:endParaRPr>
+          </a:p>
+          <a:p>
+            <a:pPr marL="0" indent="0">
+              <a:buNone/>
+            </a:pPr>
+            <a:r>
+              <a:rPr lang="en-US" sz="3200" b="1" dirty="0">
+                <a:effectLst/>
+              </a:rPr>
+              <a:t>Customer</a:t>
+            </a:r>
+          </a:p>
+          <a:p>
+            <a:r>
+              <a:rPr lang="en-US" sz="3200" b="0" dirty="0" err="1">
+                <a:effectLst/>
+              </a:rPr>
+              <a:t>Id_customer</a:t>
+            </a:r>
+            <a:endParaRPr lang="en-US" b="1" dirty="0"/>
+          </a:p>
+          <a:p>
+            <a:pPr marL="0" indent="0">
+              <a:buNone/>
+            </a:pPr>
+            <a:r>
+              <a:rPr lang="en-US" sz="3200" b="1" dirty="0" err="1">
+                <a:effectLst/>
+              </a:rPr>
+              <a:t>Customer_reservation</a:t>
+            </a:r>
+            <a:endParaRPr lang="en-US" sz="3200" b="1" dirty="0">
+              <a:effectLst/>
+            </a:endParaRPr>
+          </a:p>
+          <a:p>
+            <a:r>
+              <a:rPr lang="en-US" sz="3200" b="0" dirty="0" err="1">
+                <a:effectLst/>
+              </a:rPr>
+              <a:t>Id_customer_reservation</a:t>
+            </a:r>
+            <a:endParaRPr lang="en-US" sz="3200" b="0" dirty="0">
+              <a:effectLst/>
+            </a:endParaRPr>
           </a:p>
         </p:txBody>
       </p:sp>
@@ -6730,7 +6286,7 @@
           <p:nvPr/>
         </p:nvPicPr>
         <p:blipFill>
-          <a:blip r:embed="rId4"/>
+          <a:blip r:embed="rId3"/>
           <a:stretch>
             <a:fillRect/>
           </a:stretch>
@@ -6745,6 +6301,1242 @@
           </a:prstGeom>
         </p:spPr>
       </p:pic>
+      <p:pic>
+        <p:nvPicPr>
+          <p:cNvPr id="16" name="Imagen 15">
+            <a:extLst>
+              <a:ext uri="{FF2B5EF4-FFF2-40B4-BE49-F238E27FC236}">
+                <a16:creationId xmlns:a16="http://schemas.microsoft.com/office/drawing/2014/main" id="{4E84207A-B446-4822-87D7-B690F95492C5}"/>
+              </a:ext>
+            </a:extLst>
+          </p:cNvPr>
+          <p:cNvPicPr>
+            <a:picLocks noChangeAspect="1"/>
+          </p:cNvPicPr>
+          <p:nvPr/>
+        </p:nvPicPr>
+        <p:blipFill>
+          <a:blip r:embed="rId4">
+            <a:extLst>
+              <a:ext uri="{28A0092B-C50C-407E-A947-70E740481C1C}">
+                <a14:useLocalDpi xmlns:a14="http://schemas.microsoft.com/office/drawing/2010/main" val="0"/>
+              </a:ext>
+            </a:extLst>
+          </a:blip>
+          <a:stretch>
+            <a:fillRect/>
+          </a:stretch>
+        </p:blipFill>
+        <p:spPr>
+          <a:xfrm>
+            <a:off x="31446641" y="12071227"/>
+            <a:ext cx="9801518" cy="5829532"/>
+          </a:xfrm>
+          <a:prstGeom prst="rect">
+            <a:avLst/>
+          </a:prstGeom>
+        </p:spPr>
+      </p:pic>
+      <p:pic>
+        <p:nvPicPr>
+          <p:cNvPr id="24" name="Imagen 23">
+            <a:extLst>
+              <a:ext uri="{FF2B5EF4-FFF2-40B4-BE49-F238E27FC236}">
+                <a16:creationId xmlns:a16="http://schemas.microsoft.com/office/drawing/2014/main" id="{F9E1E95F-F616-4152-A6DF-68554E6FBB69}"/>
+              </a:ext>
+            </a:extLst>
+          </p:cNvPr>
+          <p:cNvPicPr>
+            <a:picLocks noChangeAspect="1"/>
+          </p:cNvPicPr>
+          <p:nvPr/>
+        </p:nvPicPr>
+        <p:blipFill rotWithShape="1">
+          <a:blip r:embed="rId5">
+            <a:extLst>
+              <a:ext uri="{28A0092B-C50C-407E-A947-70E740481C1C}">
+                <a14:useLocalDpi xmlns:a14="http://schemas.microsoft.com/office/drawing/2010/main" val="0"/>
+              </a:ext>
+            </a:extLst>
+          </a:blip>
+          <a:srcRect b="64078"/>
+          <a:stretch/>
+        </p:blipFill>
+        <p:spPr>
+          <a:xfrm>
+            <a:off x="29946600" y="7241826"/>
+            <a:ext cx="12801600" cy="4344786"/>
+          </a:xfrm>
+          <a:prstGeom prst="rect">
+            <a:avLst/>
+          </a:prstGeom>
+        </p:spPr>
+      </p:pic>
+      <p:sp>
+        <p:nvSpPr>
+          <p:cNvPr id="25" name="Rectangle 1">
+            <a:extLst>
+              <a:ext uri="{FF2B5EF4-FFF2-40B4-BE49-F238E27FC236}">
+                <a16:creationId xmlns:a16="http://schemas.microsoft.com/office/drawing/2014/main" id="{1D926EEF-09CE-44BA-8A5C-60CDB639B357}"/>
+              </a:ext>
+            </a:extLst>
+          </p:cNvPr>
+          <p:cNvSpPr>
+            <a:spLocks noChangeArrowheads="1"/>
+          </p:cNvSpPr>
+          <p:nvPr/>
+        </p:nvSpPr>
+        <p:spPr bwMode="auto">
+          <a:xfrm>
+            <a:off x="0" y="0"/>
+            <a:ext cx="43891200" cy="0"/>
+          </a:xfrm>
+          <a:prstGeom prst="rect">
+            <a:avLst/>
+          </a:prstGeom>
+          <a:noFill/>
+          <a:ln>
+            <a:noFill/>
+          </a:ln>
+          <a:effectLst/>
+          <a:extLst>
+            <a:ext uri="{909E8E84-426E-40DD-AFC4-6F175D3DCCD1}">
+              <a14:hiddenFill xmlns:a14="http://schemas.microsoft.com/office/drawing/2010/main">
+                <a:solidFill>
+                  <a:schemeClr val="accent1"/>
+                </a:solidFill>
+              </a14:hiddenFill>
+            </a:ext>
+            <a:ext uri="{91240B29-F687-4F45-9708-019B960494DF}">
+              <a14:hiddenLine xmlns:a14="http://schemas.microsoft.com/office/drawing/2010/main" w="9525">
+                <a:solidFill>
+                  <a:schemeClr val="tx1"/>
+                </a:solidFill>
+                <a:miter lim="800000"/>
+                <a:headEnd/>
+                <a:tailEnd/>
+              </a14:hiddenLine>
+            </a:ext>
+            <a:ext uri="{AF507438-7753-43E0-B8FC-AC1667EBCBE1}">
+              <a14:hiddenEffects xmlns:a14="http://schemas.microsoft.com/office/drawing/2010/main">
+                <a:effectLst>
+                  <a:outerShdw dist="35921" dir="2700000" algn="ctr" rotWithShape="0">
+                    <a:schemeClr val="bg2"/>
+                  </a:outerShdw>
+                </a:effectLst>
+              </a14:hiddenEffects>
+            </a:ext>
+          </a:extLst>
+        </p:spPr>
+        <p:txBody>
+          <a:bodyPr vert="horz" wrap="none" lIns="0" tIns="0" rIns="0" bIns="0" numCol="1" anchor="ctr" anchorCtr="0" compatLnSpc="1">
+            <a:prstTxWarp prst="textNoShape">
+              <a:avLst/>
+            </a:prstTxWarp>
+            <a:spAutoFit/>
+          </a:bodyPr>
+          <a:lstStyle>
+            <a:lvl1pPr eaLnBrk="0" fontAlgn="base" hangingPunct="0">
+              <a:spcBef>
+                <a:spcPct val="0"/>
+              </a:spcBef>
+              <a:spcAft>
+                <a:spcPct val="0"/>
+              </a:spcAft>
+              <a:defRPr>
+                <a:solidFill>
+                  <a:schemeClr val="tx1"/>
+                </a:solidFill>
+                <a:latin typeface="Arial" panose="020B0604020202020204" pitchFamily="34" charset="0"/>
+              </a:defRPr>
+            </a:lvl1pPr>
+            <a:lvl2pPr marL="457200" eaLnBrk="0" fontAlgn="base" hangingPunct="0">
+              <a:spcBef>
+                <a:spcPct val="0"/>
+              </a:spcBef>
+              <a:spcAft>
+                <a:spcPct val="0"/>
+              </a:spcAft>
+              <a:defRPr>
+                <a:solidFill>
+                  <a:schemeClr val="tx1"/>
+                </a:solidFill>
+                <a:latin typeface="Arial" panose="020B0604020202020204" pitchFamily="34" charset="0"/>
+              </a:defRPr>
+            </a:lvl2pPr>
+            <a:lvl3pPr marL="914400" eaLnBrk="0" fontAlgn="base" hangingPunct="0">
+              <a:spcBef>
+                <a:spcPct val="0"/>
+              </a:spcBef>
+              <a:spcAft>
+                <a:spcPct val="0"/>
+              </a:spcAft>
+              <a:defRPr>
+                <a:solidFill>
+                  <a:schemeClr val="tx1"/>
+                </a:solidFill>
+                <a:latin typeface="Arial" panose="020B0604020202020204" pitchFamily="34" charset="0"/>
+              </a:defRPr>
+            </a:lvl3pPr>
+            <a:lvl4pPr marL="1371600" eaLnBrk="0" fontAlgn="base" hangingPunct="0">
+              <a:spcBef>
+                <a:spcPct val="0"/>
+              </a:spcBef>
+              <a:spcAft>
+                <a:spcPct val="0"/>
+              </a:spcAft>
+              <a:defRPr>
+                <a:solidFill>
+                  <a:schemeClr val="tx1"/>
+                </a:solidFill>
+                <a:latin typeface="Arial" panose="020B0604020202020204" pitchFamily="34" charset="0"/>
+              </a:defRPr>
+            </a:lvl4pPr>
+            <a:lvl5pPr marL="1828800" eaLnBrk="0" fontAlgn="base" hangingPunct="0">
+              <a:spcBef>
+                <a:spcPct val="0"/>
+              </a:spcBef>
+              <a:spcAft>
+                <a:spcPct val="0"/>
+              </a:spcAft>
+              <a:defRPr>
+                <a:solidFill>
+                  <a:schemeClr val="tx1"/>
+                </a:solidFill>
+                <a:latin typeface="Arial" panose="020B0604020202020204" pitchFamily="34" charset="0"/>
+              </a:defRPr>
+            </a:lvl5pPr>
+            <a:lvl6pPr marL="2286000" eaLnBrk="0" fontAlgn="base" hangingPunct="0">
+              <a:spcBef>
+                <a:spcPct val="0"/>
+              </a:spcBef>
+              <a:spcAft>
+                <a:spcPct val="0"/>
+              </a:spcAft>
+              <a:defRPr>
+                <a:solidFill>
+                  <a:schemeClr val="tx1"/>
+                </a:solidFill>
+                <a:latin typeface="Arial" panose="020B0604020202020204" pitchFamily="34" charset="0"/>
+              </a:defRPr>
+            </a:lvl6pPr>
+            <a:lvl7pPr marL="2743200" eaLnBrk="0" fontAlgn="base" hangingPunct="0">
+              <a:spcBef>
+                <a:spcPct val="0"/>
+              </a:spcBef>
+              <a:spcAft>
+                <a:spcPct val="0"/>
+              </a:spcAft>
+              <a:defRPr>
+                <a:solidFill>
+                  <a:schemeClr val="tx1"/>
+                </a:solidFill>
+                <a:latin typeface="Arial" panose="020B0604020202020204" pitchFamily="34" charset="0"/>
+              </a:defRPr>
+            </a:lvl7pPr>
+            <a:lvl8pPr marL="3200400" eaLnBrk="0" fontAlgn="base" hangingPunct="0">
+              <a:spcBef>
+                <a:spcPct val="0"/>
+              </a:spcBef>
+              <a:spcAft>
+                <a:spcPct val="0"/>
+              </a:spcAft>
+              <a:defRPr>
+                <a:solidFill>
+                  <a:schemeClr val="tx1"/>
+                </a:solidFill>
+                <a:latin typeface="Arial" panose="020B0604020202020204" pitchFamily="34" charset="0"/>
+              </a:defRPr>
+            </a:lvl8pPr>
+            <a:lvl9pPr marL="3657600" eaLnBrk="0" fontAlgn="base" hangingPunct="0">
+              <a:spcBef>
+                <a:spcPct val="0"/>
+              </a:spcBef>
+              <a:spcAft>
+                <a:spcPct val="0"/>
+              </a:spcAft>
+              <a:defRPr>
+                <a:solidFill>
+                  <a:schemeClr val="tx1"/>
+                </a:solidFill>
+                <a:latin typeface="Arial" panose="020B0604020202020204" pitchFamily="34" charset="0"/>
+              </a:defRPr>
+            </a:lvl9pPr>
+          </a:lstStyle>
+          <a:p>
+            <a:pPr marL="0" marR="0" lvl="0" indent="0" algn="l" defTabSz="914400" rtl="0" eaLnBrk="0" fontAlgn="base" latinLnBrk="0" hangingPunct="0">
+              <a:lnSpc>
+                <a:spcPct val="100000"/>
+              </a:lnSpc>
+              <a:spcBef>
+                <a:spcPct val="0"/>
+              </a:spcBef>
+              <a:spcAft>
+                <a:spcPct val="0"/>
+              </a:spcAft>
+              <a:buClrTx/>
+              <a:buSzTx/>
+              <a:buFontTx/>
+              <a:buNone/>
+              <a:tabLst/>
+            </a:pPr>
+            <a:r>
+              <a:rPr kumimoji="0" lang="en-US" altLang="en-US" sz="1200" b="0" i="0" u="none" strike="noStrike" cap="none" normalizeH="0" baseline="0">
+                <a:ln>
+                  <a:noFill/>
+                </a:ln>
+                <a:solidFill>
+                  <a:srgbClr val="1F2328"/>
+                </a:solidFill>
+                <a:effectLst/>
+                <a:latin typeface="-apple-system"/>
+              </a:rPr>
+              <a:t>he database is built around four normalized entities: </a:t>
+            </a:r>
+            <a:r>
+              <a:rPr kumimoji="0" lang="en-US" altLang="en-US" sz="900" b="0" i="0" u="none" strike="noStrike" cap="none" normalizeH="0" baseline="0">
+                <a:ln>
+                  <a:noFill/>
+                </a:ln>
+                <a:solidFill>
+                  <a:srgbClr val="1F2328"/>
+                </a:solidFill>
+                <a:effectLst/>
+                <a:latin typeface="Monaspace Neon"/>
+              </a:rPr>
+              <a:t>coach</a:t>
+            </a:r>
+            <a:r>
+              <a:rPr kumimoji="0" lang="en-US" altLang="en-US" sz="1200" b="0" i="0" u="none" strike="noStrike" cap="none" normalizeH="0" baseline="0">
+                <a:ln>
+                  <a:noFill/>
+                </a:ln>
+                <a:solidFill>
+                  <a:srgbClr val="1F2328"/>
+                </a:solidFill>
+                <a:effectLst/>
+                <a:latin typeface="-apple-system"/>
+              </a:rPr>
+              <a:t>, </a:t>
+            </a:r>
+            <a:r>
+              <a:rPr kumimoji="0" lang="en-US" altLang="en-US" sz="900" b="0" i="0" u="none" strike="noStrike" cap="none" normalizeH="0" baseline="0">
+                <a:ln>
+                  <a:noFill/>
+                </a:ln>
+                <a:solidFill>
+                  <a:srgbClr val="1F2328"/>
+                </a:solidFill>
+                <a:effectLst/>
+                <a:latin typeface="Monaspace Neon"/>
+              </a:rPr>
+              <a:t>courts</a:t>
+            </a:r>
+            <a:r>
+              <a:rPr kumimoji="0" lang="en-US" altLang="en-US" sz="1200" b="0" i="0" u="none" strike="noStrike" cap="none" normalizeH="0" baseline="0">
+                <a:ln>
+                  <a:noFill/>
+                </a:ln>
+                <a:solidFill>
+                  <a:srgbClr val="1F2328"/>
+                </a:solidFill>
+                <a:effectLst/>
+                <a:latin typeface="-apple-system"/>
+              </a:rPr>
+              <a:t>, </a:t>
+            </a:r>
+            <a:r>
+              <a:rPr kumimoji="0" lang="en-US" altLang="en-US" sz="900" b="0" i="0" u="none" strike="noStrike" cap="none" normalizeH="0" baseline="0">
+                <a:ln>
+                  <a:noFill/>
+                </a:ln>
+                <a:solidFill>
+                  <a:srgbClr val="1F2328"/>
+                </a:solidFill>
+                <a:effectLst/>
+                <a:latin typeface="Monaspace Neon"/>
+              </a:rPr>
+              <a:t>reservation</a:t>
+            </a:r>
+            <a:r>
+              <a:rPr kumimoji="0" lang="en-US" altLang="en-US" sz="1200" b="0" i="0" u="none" strike="noStrike" cap="none" normalizeH="0" baseline="0">
+                <a:ln>
+                  <a:noFill/>
+                </a:ln>
+                <a:solidFill>
+                  <a:srgbClr val="1F2328"/>
+                </a:solidFill>
+                <a:effectLst/>
+                <a:latin typeface="-apple-system"/>
+              </a:rPr>
+              <a:t>, and </a:t>
+            </a:r>
+            <a:r>
+              <a:rPr kumimoji="0" lang="en-US" altLang="en-US" sz="900" b="0" i="0" u="none" strike="noStrike" cap="none" normalizeH="0" baseline="0">
+                <a:ln>
+                  <a:noFill/>
+                </a:ln>
+                <a:solidFill>
+                  <a:srgbClr val="1F2328"/>
+                </a:solidFill>
+                <a:effectLst/>
+                <a:latin typeface="Monaspace Neon"/>
+              </a:rPr>
+              <a:t>customer</a:t>
+            </a:r>
+            <a:r>
+              <a:rPr kumimoji="0" lang="en-US" altLang="en-US" sz="1200" b="0" i="0" u="none" strike="noStrike" cap="none" normalizeH="0" baseline="0">
+                <a:ln>
+                  <a:noFill/>
+                </a:ln>
+                <a:solidFill>
+                  <a:srgbClr val="1F2328"/>
+                </a:solidFill>
+                <a:effectLst/>
+                <a:latin typeface="-apple-system"/>
+              </a:rPr>
+              <a:t>. Each table stores information related to the reservation of each customer.</a:t>
+            </a:r>
+            <a:r>
+              <a:rPr kumimoji="0" lang="en-US" altLang="en-US" sz="2800" b="0" i="0" u="none" strike="noStrike" cap="none" normalizeH="0" baseline="0">
+                <a:ln>
+                  <a:noFill/>
+                </a:ln>
+                <a:solidFill>
+                  <a:schemeClr val="tx1"/>
+                </a:solidFill>
+                <a:effectLst/>
+              </a:rPr>
+              <a:t> </a:t>
+            </a:r>
+            <a:endParaRPr kumimoji="0" lang="en-US" altLang="en-US" sz="1800" b="0" i="0" u="none" strike="noStrike" cap="none" normalizeH="0" baseline="0">
+              <a:ln>
+                <a:noFill/>
+              </a:ln>
+              <a:solidFill>
+                <a:schemeClr val="tx1"/>
+              </a:solidFill>
+              <a:effectLst/>
+              <a:latin typeface="Arial" panose="020B0604020202020204" pitchFamily="34" charset="0"/>
+            </a:endParaRPr>
+          </a:p>
+        </p:txBody>
+      </p:sp>
+      <p:sp>
+        <p:nvSpPr>
+          <p:cNvPr id="26" name="Rectangle 2">
+            <a:extLst>
+              <a:ext uri="{FF2B5EF4-FFF2-40B4-BE49-F238E27FC236}">
+                <a16:creationId xmlns:a16="http://schemas.microsoft.com/office/drawing/2014/main" id="{DC08AE55-CF3B-45F7-9F62-A39CB56CC0A4}"/>
+              </a:ext>
+            </a:extLst>
+          </p:cNvPr>
+          <p:cNvSpPr>
+            <a:spLocks noChangeArrowheads="1"/>
+          </p:cNvSpPr>
+          <p:nvPr/>
+        </p:nvSpPr>
+        <p:spPr bwMode="auto">
+          <a:xfrm>
+            <a:off x="152400" y="152400"/>
+            <a:ext cx="43891200" cy="0"/>
+          </a:xfrm>
+          <a:prstGeom prst="rect">
+            <a:avLst/>
+          </a:prstGeom>
+          <a:noFill/>
+          <a:ln>
+            <a:noFill/>
+          </a:ln>
+          <a:effectLst/>
+          <a:extLst>
+            <a:ext uri="{909E8E84-426E-40DD-AFC4-6F175D3DCCD1}">
+              <a14:hiddenFill xmlns:a14="http://schemas.microsoft.com/office/drawing/2010/main">
+                <a:solidFill>
+                  <a:schemeClr val="accent1"/>
+                </a:solidFill>
+              </a14:hiddenFill>
+            </a:ext>
+            <a:ext uri="{91240B29-F687-4F45-9708-019B960494DF}">
+              <a14:hiddenLine xmlns:a14="http://schemas.microsoft.com/office/drawing/2010/main" w="9525">
+                <a:solidFill>
+                  <a:schemeClr val="tx1"/>
+                </a:solidFill>
+                <a:miter lim="800000"/>
+                <a:headEnd/>
+                <a:tailEnd/>
+              </a14:hiddenLine>
+            </a:ext>
+            <a:ext uri="{AF507438-7753-43E0-B8FC-AC1667EBCBE1}">
+              <a14:hiddenEffects xmlns:a14="http://schemas.microsoft.com/office/drawing/2010/main">
+                <a:effectLst>
+                  <a:outerShdw dist="35921" dir="2700000" algn="ctr" rotWithShape="0">
+                    <a:schemeClr val="bg2"/>
+                  </a:outerShdw>
+                </a:effectLst>
+              </a14:hiddenEffects>
+            </a:ext>
+          </a:extLst>
+        </p:spPr>
+        <p:txBody>
+          <a:bodyPr vert="horz" wrap="none" lIns="0" tIns="0" rIns="0" bIns="0" numCol="1" anchor="ctr" anchorCtr="0" compatLnSpc="1">
+            <a:prstTxWarp prst="textNoShape">
+              <a:avLst/>
+            </a:prstTxWarp>
+            <a:spAutoFit/>
+          </a:bodyPr>
+          <a:lstStyle>
+            <a:lvl1pPr eaLnBrk="0" fontAlgn="base" hangingPunct="0">
+              <a:spcBef>
+                <a:spcPct val="0"/>
+              </a:spcBef>
+              <a:spcAft>
+                <a:spcPct val="0"/>
+              </a:spcAft>
+              <a:defRPr>
+                <a:solidFill>
+                  <a:schemeClr val="tx1"/>
+                </a:solidFill>
+                <a:latin typeface="Arial" panose="020B0604020202020204" pitchFamily="34" charset="0"/>
+              </a:defRPr>
+            </a:lvl1pPr>
+            <a:lvl2pPr marL="457200" eaLnBrk="0" fontAlgn="base" hangingPunct="0">
+              <a:spcBef>
+                <a:spcPct val="0"/>
+              </a:spcBef>
+              <a:spcAft>
+                <a:spcPct val="0"/>
+              </a:spcAft>
+              <a:defRPr>
+                <a:solidFill>
+                  <a:schemeClr val="tx1"/>
+                </a:solidFill>
+                <a:latin typeface="Arial" panose="020B0604020202020204" pitchFamily="34" charset="0"/>
+              </a:defRPr>
+            </a:lvl2pPr>
+            <a:lvl3pPr marL="914400" eaLnBrk="0" fontAlgn="base" hangingPunct="0">
+              <a:spcBef>
+                <a:spcPct val="0"/>
+              </a:spcBef>
+              <a:spcAft>
+                <a:spcPct val="0"/>
+              </a:spcAft>
+              <a:defRPr>
+                <a:solidFill>
+                  <a:schemeClr val="tx1"/>
+                </a:solidFill>
+                <a:latin typeface="Arial" panose="020B0604020202020204" pitchFamily="34" charset="0"/>
+              </a:defRPr>
+            </a:lvl3pPr>
+            <a:lvl4pPr marL="1371600" eaLnBrk="0" fontAlgn="base" hangingPunct="0">
+              <a:spcBef>
+                <a:spcPct val="0"/>
+              </a:spcBef>
+              <a:spcAft>
+                <a:spcPct val="0"/>
+              </a:spcAft>
+              <a:defRPr>
+                <a:solidFill>
+                  <a:schemeClr val="tx1"/>
+                </a:solidFill>
+                <a:latin typeface="Arial" panose="020B0604020202020204" pitchFamily="34" charset="0"/>
+              </a:defRPr>
+            </a:lvl4pPr>
+            <a:lvl5pPr marL="1828800" eaLnBrk="0" fontAlgn="base" hangingPunct="0">
+              <a:spcBef>
+                <a:spcPct val="0"/>
+              </a:spcBef>
+              <a:spcAft>
+                <a:spcPct val="0"/>
+              </a:spcAft>
+              <a:defRPr>
+                <a:solidFill>
+                  <a:schemeClr val="tx1"/>
+                </a:solidFill>
+                <a:latin typeface="Arial" panose="020B0604020202020204" pitchFamily="34" charset="0"/>
+              </a:defRPr>
+            </a:lvl5pPr>
+            <a:lvl6pPr marL="2286000" eaLnBrk="0" fontAlgn="base" hangingPunct="0">
+              <a:spcBef>
+                <a:spcPct val="0"/>
+              </a:spcBef>
+              <a:spcAft>
+                <a:spcPct val="0"/>
+              </a:spcAft>
+              <a:defRPr>
+                <a:solidFill>
+                  <a:schemeClr val="tx1"/>
+                </a:solidFill>
+                <a:latin typeface="Arial" panose="020B0604020202020204" pitchFamily="34" charset="0"/>
+              </a:defRPr>
+            </a:lvl6pPr>
+            <a:lvl7pPr marL="2743200" eaLnBrk="0" fontAlgn="base" hangingPunct="0">
+              <a:spcBef>
+                <a:spcPct val="0"/>
+              </a:spcBef>
+              <a:spcAft>
+                <a:spcPct val="0"/>
+              </a:spcAft>
+              <a:defRPr>
+                <a:solidFill>
+                  <a:schemeClr val="tx1"/>
+                </a:solidFill>
+                <a:latin typeface="Arial" panose="020B0604020202020204" pitchFamily="34" charset="0"/>
+              </a:defRPr>
+            </a:lvl7pPr>
+            <a:lvl8pPr marL="3200400" eaLnBrk="0" fontAlgn="base" hangingPunct="0">
+              <a:spcBef>
+                <a:spcPct val="0"/>
+              </a:spcBef>
+              <a:spcAft>
+                <a:spcPct val="0"/>
+              </a:spcAft>
+              <a:defRPr>
+                <a:solidFill>
+                  <a:schemeClr val="tx1"/>
+                </a:solidFill>
+                <a:latin typeface="Arial" panose="020B0604020202020204" pitchFamily="34" charset="0"/>
+              </a:defRPr>
+            </a:lvl8pPr>
+            <a:lvl9pPr marL="3657600" eaLnBrk="0" fontAlgn="base" hangingPunct="0">
+              <a:spcBef>
+                <a:spcPct val="0"/>
+              </a:spcBef>
+              <a:spcAft>
+                <a:spcPct val="0"/>
+              </a:spcAft>
+              <a:defRPr>
+                <a:solidFill>
+                  <a:schemeClr val="tx1"/>
+                </a:solidFill>
+                <a:latin typeface="Arial" panose="020B0604020202020204" pitchFamily="34" charset="0"/>
+              </a:defRPr>
+            </a:lvl9pPr>
+          </a:lstStyle>
+          <a:p>
+            <a:pPr marL="0" marR="0" lvl="0" indent="0" algn="l" defTabSz="914400" rtl="0" eaLnBrk="0" fontAlgn="base" latinLnBrk="0" hangingPunct="0">
+              <a:lnSpc>
+                <a:spcPct val="100000"/>
+              </a:lnSpc>
+              <a:spcBef>
+                <a:spcPct val="0"/>
+              </a:spcBef>
+              <a:spcAft>
+                <a:spcPct val="0"/>
+              </a:spcAft>
+              <a:buClrTx/>
+              <a:buSzTx/>
+              <a:buFontTx/>
+              <a:buNone/>
+              <a:tabLst/>
+            </a:pPr>
+            <a:r>
+              <a:rPr kumimoji="0" lang="en-US" altLang="en-US" sz="1200" b="0" i="0" u="none" strike="noStrike" cap="none" normalizeH="0" baseline="0">
+                <a:ln>
+                  <a:noFill/>
+                </a:ln>
+                <a:solidFill>
+                  <a:srgbClr val="1F2328"/>
+                </a:solidFill>
+                <a:effectLst/>
+                <a:latin typeface="-apple-system"/>
+              </a:rPr>
+              <a:t>The database is built around four normalized entities: </a:t>
+            </a:r>
+            <a:r>
+              <a:rPr kumimoji="0" lang="en-US" altLang="en-US" sz="900" b="0" i="0" u="none" strike="noStrike" cap="none" normalizeH="0" baseline="0">
+                <a:ln>
+                  <a:noFill/>
+                </a:ln>
+                <a:solidFill>
+                  <a:srgbClr val="1F2328"/>
+                </a:solidFill>
+                <a:effectLst/>
+                <a:latin typeface="Monaspace Neon"/>
+              </a:rPr>
+              <a:t>coach</a:t>
+            </a:r>
+            <a:r>
+              <a:rPr kumimoji="0" lang="en-US" altLang="en-US" sz="1200" b="0" i="0" u="none" strike="noStrike" cap="none" normalizeH="0" baseline="0">
+                <a:ln>
+                  <a:noFill/>
+                </a:ln>
+                <a:solidFill>
+                  <a:srgbClr val="1F2328"/>
+                </a:solidFill>
+                <a:effectLst/>
+                <a:latin typeface="-apple-system"/>
+              </a:rPr>
+              <a:t>, </a:t>
+            </a:r>
+            <a:r>
+              <a:rPr kumimoji="0" lang="en-US" altLang="en-US" sz="900" b="0" i="0" u="none" strike="noStrike" cap="none" normalizeH="0" baseline="0">
+                <a:ln>
+                  <a:noFill/>
+                </a:ln>
+                <a:solidFill>
+                  <a:srgbClr val="1F2328"/>
+                </a:solidFill>
+                <a:effectLst/>
+                <a:latin typeface="Monaspace Neon"/>
+              </a:rPr>
+              <a:t>courts</a:t>
+            </a:r>
+            <a:r>
+              <a:rPr kumimoji="0" lang="en-US" altLang="en-US" sz="1200" b="0" i="0" u="none" strike="noStrike" cap="none" normalizeH="0" baseline="0">
+                <a:ln>
+                  <a:noFill/>
+                </a:ln>
+                <a:solidFill>
+                  <a:srgbClr val="1F2328"/>
+                </a:solidFill>
+                <a:effectLst/>
+                <a:latin typeface="-apple-system"/>
+              </a:rPr>
+              <a:t>, </a:t>
+            </a:r>
+            <a:r>
+              <a:rPr kumimoji="0" lang="en-US" altLang="en-US" sz="900" b="0" i="0" u="none" strike="noStrike" cap="none" normalizeH="0" baseline="0">
+                <a:ln>
+                  <a:noFill/>
+                </a:ln>
+                <a:solidFill>
+                  <a:srgbClr val="1F2328"/>
+                </a:solidFill>
+                <a:effectLst/>
+                <a:latin typeface="Monaspace Neon"/>
+              </a:rPr>
+              <a:t>reservation</a:t>
+            </a:r>
+            <a:r>
+              <a:rPr kumimoji="0" lang="en-US" altLang="en-US" sz="1200" b="0" i="0" u="none" strike="noStrike" cap="none" normalizeH="0" baseline="0">
+                <a:ln>
+                  <a:noFill/>
+                </a:ln>
+                <a:solidFill>
+                  <a:srgbClr val="1F2328"/>
+                </a:solidFill>
+                <a:effectLst/>
+                <a:latin typeface="-apple-system"/>
+              </a:rPr>
+              <a:t>, and </a:t>
+            </a:r>
+            <a:r>
+              <a:rPr kumimoji="0" lang="en-US" altLang="en-US" sz="900" b="0" i="0" u="none" strike="noStrike" cap="none" normalizeH="0" baseline="0">
+                <a:ln>
+                  <a:noFill/>
+                </a:ln>
+                <a:solidFill>
+                  <a:srgbClr val="1F2328"/>
+                </a:solidFill>
+                <a:effectLst/>
+                <a:latin typeface="Monaspace Neon"/>
+              </a:rPr>
+              <a:t>customer</a:t>
+            </a:r>
+            <a:r>
+              <a:rPr kumimoji="0" lang="en-US" altLang="en-US" sz="1200" b="0" i="0" u="none" strike="noStrike" cap="none" normalizeH="0" baseline="0">
+                <a:ln>
+                  <a:noFill/>
+                </a:ln>
+                <a:solidFill>
+                  <a:srgbClr val="1F2328"/>
+                </a:solidFill>
+                <a:effectLst/>
+                <a:latin typeface="-apple-system"/>
+              </a:rPr>
+              <a:t>. Each table stores information related to the reservation of each customer. </a:t>
+            </a:r>
+            <a:r>
+              <a:rPr kumimoji="0" lang="en-US" altLang="en-US" sz="2800" b="0" i="0" u="none" strike="noStrike" cap="none" normalizeH="0" baseline="0">
+                <a:ln>
+                  <a:noFill/>
+                </a:ln>
+                <a:solidFill>
+                  <a:schemeClr val="tx1"/>
+                </a:solidFill>
+                <a:effectLst/>
+              </a:rPr>
+              <a:t> </a:t>
+            </a:r>
+            <a:endParaRPr kumimoji="0" lang="en-US" altLang="en-US" sz="1800" b="0" i="0" u="none" strike="noStrike" cap="none" normalizeH="0" baseline="0">
+              <a:ln>
+                <a:noFill/>
+              </a:ln>
+              <a:solidFill>
+                <a:schemeClr val="tx1"/>
+              </a:solidFill>
+              <a:effectLst/>
+              <a:latin typeface="Arial" panose="020B0604020202020204" pitchFamily="34" charset="0"/>
+            </a:endParaRPr>
+          </a:p>
+        </p:txBody>
+      </p:sp>
+      <p:sp>
+        <p:nvSpPr>
+          <p:cNvPr id="33" name="CuadroTexto 32">
+            <a:extLst>
+              <a:ext uri="{FF2B5EF4-FFF2-40B4-BE49-F238E27FC236}">
+                <a16:creationId xmlns:a16="http://schemas.microsoft.com/office/drawing/2014/main" id="{9B7A832F-ADD7-4DE0-B9BD-C958E1684A91}"/>
+              </a:ext>
+            </a:extLst>
+          </p:cNvPr>
+          <p:cNvSpPr txBox="1"/>
+          <p:nvPr/>
+        </p:nvSpPr>
+        <p:spPr>
+          <a:xfrm>
+            <a:off x="1188720" y="14656731"/>
+            <a:ext cx="12847320" cy="9202519"/>
+          </a:xfrm>
+          <a:prstGeom prst="rect">
+            <a:avLst/>
+          </a:prstGeom>
+          <a:noFill/>
+        </p:spPr>
+        <p:txBody>
+          <a:bodyPr wrap="square" rtlCol="0">
+            <a:spAutoFit/>
+          </a:bodyPr>
+          <a:lstStyle/>
+          <a:p>
+            <a:r>
+              <a:rPr lang="en-US" sz="2700" b="1" dirty="0"/>
+              <a:t>Coach</a:t>
+            </a:r>
+          </a:p>
+          <a:p>
+            <a:r>
+              <a:rPr lang="en-US" sz="2700" b="0" dirty="0">
+                <a:effectLst/>
+              </a:rPr>
+              <a:t>Personal information about the coaches: name, last name, and phone number. </a:t>
+            </a:r>
+          </a:p>
+          <a:p>
+            <a:br>
+              <a:rPr lang="en-US" sz="2700" b="0" dirty="0">
+                <a:effectLst/>
+              </a:rPr>
+            </a:br>
+            <a:r>
+              <a:rPr lang="en-US" sz="2700" b="1" dirty="0">
+                <a:effectLst/>
+              </a:rPr>
+              <a:t>Courts</a:t>
+            </a:r>
+          </a:p>
+          <a:p>
+            <a:r>
+              <a:rPr lang="en-US" sz="2700" b="0" dirty="0">
+                <a:effectLst/>
+              </a:rPr>
+              <a:t>The courts table stores the </a:t>
+            </a:r>
+            <a:r>
+              <a:rPr lang="en-US" sz="2700" b="0" dirty="0" err="1">
+                <a:effectLst/>
+              </a:rPr>
+              <a:t>courts_name</a:t>
+            </a:r>
+            <a:r>
+              <a:rPr lang="en-US" sz="2700" b="0" dirty="0">
+                <a:effectLst/>
+              </a:rPr>
+              <a:t> and </a:t>
+            </a:r>
+            <a:r>
+              <a:rPr lang="en-US" sz="2700" b="0" dirty="0" err="1">
+                <a:effectLst/>
+              </a:rPr>
+              <a:t>base_price</a:t>
+            </a:r>
+            <a:r>
+              <a:rPr lang="en-US" sz="2700" dirty="0"/>
+              <a:t>. </a:t>
+            </a:r>
+            <a:r>
+              <a:rPr lang="en-US" sz="2700" b="0" dirty="0">
+                <a:effectLst/>
+              </a:rPr>
+              <a:t>The base price is the amount the customer pays.</a:t>
+            </a:r>
+          </a:p>
+          <a:p>
+            <a:br>
+              <a:rPr lang="en-US" sz="2700" b="0" dirty="0">
+                <a:effectLst/>
+              </a:rPr>
+            </a:br>
+            <a:r>
+              <a:rPr lang="en-US" sz="2700" b="1" dirty="0">
+                <a:effectLst/>
+              </a:rPr>
+              <a:t>Reservation</a:t>
+            </a:r>
+          </a:p>
+          <a:p>
+            <a:r>
+              <a:rPr lang="en-US" sz="2700" b="0" dirty="0">
+                <a:effectLst/>
+              </a:rPr>
+              <a:t>The reservation table stores the start time, end time, and the date the reservation is occurring. </a:t>
+            </a:r>
+          </a:p>
+          <a:p>
+            <a:br>
+              <a:rPr lang="en-US" sz="2700" b="0" dirty="0">
+                <a:effectLst/>
+              </a:rPr>
+            </a:br>
+            <a:r>
+              <a:rPr lang="en-US" sz="2700" b="1" dirty="0">
+                <a:effectLst/>
+              </a:rPr>
+              <a:t>Customer</a:t>
+            </a:r>
+          </a:p>
+          <a:p>
+            <a:r>
+              <a:rPr lang="en-US" sz="2700" b="0" dirty="0">
+                <a:effectLst/>
+              </a:rPr>
+              <a:t>The customer table stores all the private information of the customer: first name, last name, and phone number. </a:t>
+            </a:r>
+          </a:p>
+          <a:p>
+            <a:br>
+              <a:rPr lang="en-US" sz="2700" b="1" dirty="0">
+                <a:effectLst/>
+              </a:rPr>
+            </a:br>
+            <a:r>
+              <a:rPr lang="en-US" sz="2700" b="1" dirty="0" err="1">
+                <a:effectLst/>
+              </a:rPr>
+              <a:t>Customer_reservation</a:t>
+            </a:r>
+            <a:endParaRPr lang="en-US" sz="2700" b="1" dirty="0">
+              <a:effectLst/>
+            </a:endParaRPr>
+          </a:p>
+          <a:p>
+            <a:r>
+              <a:rPr lang="en-US" sz="2700" b="0" dirty="0">
+                <a:effectLst/>
+              </a:rPr>
+              <a:t>This is the central table used to retrieve information about each customer reservation. This table stores four foreign keys from all other tables, allowing it to connect all the parts of the reservation.</a:t>
+            </a:r>
+          </a:p>
+          <a:p>
+            <a:endParaRPr lang="en-US" sz="6000" dirty="0" err="1"/>
+          </a:p>
+        </p:txBody>
+      </p:sp>
+      <p:pic>
+        <p:nvPicPr>
+          <p:cNvPr id="39" name="Marcador de posición de imagen 38">
+            <a:extLst>
+              <a:ext uri="{FF2B5EF4-FFF2-40B4-BE49-F238E27FC236}">
+                <a16:creationId xmlns:a16="http://schemas.microsoft.com/office/drawing/2014/main" id="{AFB1F8C8-BC60-4E0D-97CE-711AB34CFCBB}"/>
+              </a:ext>
+            </a:extLst>
+          </p:cNvPr>
+          <p:cNvPicPr>
+            <a:picLocks noGrp="1" noChangeAspect="1"/>
+          </p:cNvPicPr>
+          <p:nvPr>
+            <p:ph type="pic" sz="quarter" idx="43"/>
+          </p:nvPr>
+        </p:nvPicPr>
+        <p:blipFill>
+          <a:blip r:embed="rId6">
+            <a:duotone>
+              <a:schemeClr val="accent1">
+                <a:shade val="45000"/>
+                <a:satMod val="135000"/>
+              </a:schemeClr>
+              <a:prstClr val="white"/>
+            </a:duotone>
+            <a:extLst>
+              <a:ext uri="{28A0092B-C50C-407E-A947-70E740481C1C}">
+                <a14:useLocalDpi xmlns:a14="http://schemas.microsoft.com/office/drawing/2010/main" val="0"/>
+              </a:ext>
+              <a:ext uri="{837473B0-CC2E-450A-ABE3-18F120FF3D39}">
+                <a1611:picAttrSrcUrl xmlns:a1611="http://schemas.microsoft.com/office/drawing/2016/11/main" r:id="rId7"/>
+              </a:ext>
+            </a:extLst>
+          </a:blip>
+          <a:srcRect t="33444" b="33444"/>
+          <a:stretch>
+            <a:fillRect/>
+          </a:stretch>
+        </p:blipFill>
+        <p:spPr>
+          <a:xfrm>
+            <a:off x="32522160" y="83148"/>
+            <a:ext cx="11369040" cy="3759297"/>
+          </a:xfrm>
+        </p:spPr>
+      </p:pic>
+      <p:sp>
+        <p:nvSpPr>
+          <p:cNvPr id="44" name="Content Placeholder 16">
+            <a:extLst>
+              <a:ext uri="{FF2B5EF4-FFF2-40B4-BE49-F238E27FC236}">
+                <a16:creationId xmlns:a16="http://schemas.microsoft.com/office/drawing/2014/main" id="{6868B7AF-6B54-4FAE-9284-5FAAFED1B234}"/>
+              </a:ext>
+            </a:extLst>
+          </p:cNvPr>
+          <p:cNvSpPr txBox="1">
+            <a:spLocks/>
+          </p:cNvSpPr>
+          <p:nvPr/>
+        </p:nvSpPr>
+        <p:spPr>
+          <a:xfrm>
+            <a:off x="20970240" y="7049509"/>
+            <a:ext cx="7376160" cy="7072117"/>
+          </a:xfrm>
+          <a:prstGeom prst="rect">
+            <a:avLst/>
+          </a:prstGeom>
+        </p:spPr>
+        <p:txBody>
+          <a:bodyPr vert="horz" lIns="91440" tIns="182880" rIns="91440" bIns="45720" rtlCol="0">
+            <a:normAutofit/>
+          </a:bodyPr>
+          <a:lstStyle>
+            <a:lvl1pPr marL="457200" indent="-457200" algn="l" defTabSz="4389120" rtl="0" eaLnBrk="1" latinLnBrk="0" hangingPunct="1">
+              <a:lnSpc>
+                <a:spcPct val="100000"/>
+              </a:lnSpc>
+              <a:spcBef>
+                <a:spcPts val="1200"/>
+              </a:spcBef>
+              <a:buClr>
+                <a:schemeClr val="bg1">
+                  <a:lumMod val="65000"/>
+                </a:schemeClr>
+              </a:buClr>
+              <a:buFont typeface="Arial" panose="020B0604020202020204" pitchFamily="34" charset="0"/>
+              <a:buChar char="•"/>
+              <a:defRPr sz="3200" kern="1200" baseline="0">
+                <a:solidFill>
+                  <a:schemeClr val="tx1"/>
+                </a:solidFill>
+                <a:latin typeface="+mn-lt"/>
+                <a:ea typeface="+mn-ea"/>
+                <a:cs typeface="+mn-cs"/>
+              </a:defRPr>
+            </a:lvl1pPr>
+            <a:lvl2pPr marL="1097280" indent="-457200" algn="l" defTabSz="4389120" rtl="0" eaLnBrk="1" latinLnBrk="0" hangingPunct="1">
+              <a:lnSpc>
+                <a:spcPct val="100000"/>
+              </a:lnSpc>
+              <a:spcBef>
+                <a:spcPts val="1200"/>
+              </a:spcBef>
+              <a:buClr>
+                <a:schemeClr val="bg1">
+                  <a:lumMod val="65000"/>
+                </a:schemeClr>
+              </a:buClr>
+              <a:buFont typeface="Arial" panose="020B0604020202020204" pitchFamily="34" charset="0"/>
+              <a:buChar char="•"/>
+              <a:defRPr sz="2800" kern="1200">
+                <a:solidFill>
+                  <a:schemeClr val="tx1"/>
+                </a:solidFill>
+                <a:latin typeface="+mn-lt"/>
+                <a:ea typeface="+mn-ea"/>
+                <a:cs typeface="+mn-cs"/>
+              </a:defRPr>
+            </a:lvl2pPr>
+            <a:lvl3pPr marL="1097280" indent="-457200" algn="l" defTabSz="4389120" rtl="0" eaLnBrk="1" latinLnBrk="0" hangingPunct="1">
+              <a:lnSpc>
+                <a:spcPct val="100000"/>
+              </a:lnSpc>
+              <a:spcBef>
+                <a:spcPts val="1200"/>
+              </a:spcBef>
+              <a:buClr>
+                <a:schemeClr val="bg1">
+                  <a:lumMod val="65000"/>
+                </a:schemeClr>
+              </a:buClr>
+              <a:buFont typeface="Arial" panose="020B0604020202020204" pitchFamily="34" charset="0"/>
+              <a:buChar char="•"/>
+              <a:defRPr sz="2800" kern="1200">
+                <a:solidFill>
+                  <a:schemeClr val="tx1"/>
+                </a:solidFill>
+                <a:latin typeface="+mn-lt"/>
+                <a:ea typeface="+mn-ea"/>
+                <a:cs typeface="+mn-cs"/>
+              </a:defRPr>
+            </a:lvl3pPr>
+            <a:lvl4pPr marL="1097280" indent="-457200" algn="l" defTabSz="4389120" rtl="0" eaLnBrk="1" latinLnBrk="0" hangingPunct="1">
+              <a:lnSpc>
+                <a:spcPct val="100000"/>
+              </a:lnSpc>
+              <a:spcBef>
+                <a:spcPts val="1200"/>
+              </a:spcBef>
+              <a:buClr>
+                <a:schemeClr val="bg1">
+                  <a:lumMod val="65000"/>
+                </a:schemeClr>
+              </a:buClr>
+              <a:buFont typeface="Arial" panose="020B0604020202020204" pitchFamily="34" charset="0"/>
+              <a:buChar char="•"/>
+              <a:defRPr sz="2800" kern="1200">
+                <a:solidFill>
+                  <a:schemeClr val="tx1"/>
+                </a:solidFill>
+                <a:latin typeface="+mn-lt"/>
+                <a:ea typeface="+mn-ea"/>
+                <a:cs typeface="+mn-cs"/>
+              </a:defRPr>
+            </a:lvl4pPr>
+            <a:lvl5pPr marL="1097280" indent="-457200" algn="l" defTabSz="4389120" rtl="0" eaLnBrk="1" latinLnBrk="0" hangingPunct="1">
+              <a:lnSpc>
+                <a:spcPct val="100000"/>
+              </a:lnSpc>
+              <a:spcBef>
+                <a:spcPts val="1200"/>
+              </a:spcBef>
+              <a:buClr>
+                <a:schemeClr val="bg1">
+                  <a:lumMod val="65000"/>
+                </a:schemeClr>
+              </a:buClr>
+              <a:buFont typeface="Arial" panose="020B0604020202020204" pitchFamily="34" charset="0"/>
+              <a:buChar char="•"/>
+              <a:defRPr sz="2800" kern="1200">
+                <a:solidFill>
+                  <a:schemeClr val="tx1"/>
+                </a:solidFill>
+                <a:latin typeface="+mn-lt"/>
+                <a:ea typeface="+mn-ea"/>
+                <a:cs typeface="+mn-cs"/>
+              </a:defRPr>
+            </a:lvl5pPr>
+            <a:lvl6pPr marL="1097280" indent="-457200" algn="l" defTabSz="4389120" rtl="0" eaLnBrk="1" latinLnBrk="0" hangingPunct="1">
+              <a:lnSpc>
+                <a:spcPct val="100000"/>
+              </a:lnSpc>
+              <a:spcBef>
+                <a:spcPts val="1200"/>
+              </a:spcBef>
+              <a:buClr>
+                <a:schemeClr val="bg1">
+                  <a:lumMod val="65000"/>
+                </a:schemeClr>
+              </a:buClr>
+              <a:buFont typeface="Arial" panose="020B0604020202020204" pitchFamily="34" charset="0"/>
+              <a:buChar char="•"/>
+              <a:defRPr sz="2800" kern="1200">
+                <a:solidFill>
+                  <a:schemeClr val="tx1"/>
+                </a:solidFill>
+                <a:latin typeface="+mn-lt"/>
+                <a:ea typeface="+mn-ea"/>
+                <a:cs typeface="+mn-cs"/>
+              </a:defRPr>
+            </a:lvl6pPr>
+            <a:lvl7pPr marL="1097280" indent="-457200" algn="l" defTabSz="4389120" rtl="0" eaLnBrk="1" latinLnBrk="0" hangingPunct="1">
+              <a:lnSpc>
+                <a:spcPct val="100000"/>
+              </a:lnSpc>
+              <a:spcBef>
+                <a:spcPts val="1200"/>
+              </a:spcBef>
+              <a:buClr>
+                <a:schemeClr val="bg1">
+                  <a:lumMod val="65000"/>
+                </a:schemeClr>
+              </a:buClr>
+              <a:buFont typeface="Arial" panose="020B0604020202020204" pitchFamily="34" charset="0"/>
+              <a:buChar char="•"/>
+              <a:defRPr sz="2800" kern="1200">
+                <a:solidFill>
+                  <a:schemeClr val="tx1"/>
+                </a:solidFill>
+                <a:latin typeface="+mn-lt"/>
+                <a:ea typeface="+mn-ea"/>
+                <a:cs typeface="+mn-cs"/>
+              </a:defRPr>
+            </a:lvl7pPr>
+            <a:lvl8pPr marL="1097280" indent="-457200" algn="l" defTabSz="4389120" rtl="0" eaLnBrk="1" latinLnBrk="0" hangingPunct="1">
+              <a:lnSpc>
+                <a:spcPct val="100000"/>
+              </a:lnSpc>
+              <a:spcBef>
+                <a:spcPts val="1200"/>
+              </a:spcBef>
+              <a:buClr>
+                <a:schemeClr val="bg1">
+                  <a:lumMod val="65000"/>
+                </a:schemeClr>
+              </a:buClr>
+              <a:buFont typeface="Arial" panose="020B0604020202020204" pitchFamily="34" charset="0"/>
+              <a:buChar char="•"/>
+              <a:defRPr sz="2800" kern="1200">
+                <a:solidFill>
+                  <a:schemeClr val="tx1"/>
+                </a:solidFill>
+                <a:latin typeface="+mn-lt"/>
+                <a:ea typeface="+mn-ea"/>
+                <a:cs typeface="+mn-cs"/>
+              </a:defRPr>
+            </a:lvl8pPr>
+            <a:lvl9pPr marL="1097280" indent="-457200" algn="l" defTabSz="4389120" rtl="0" eaLnBrk="1" latinLnBrk="0" hangingPunct="1">
+              <a:lnSpc>
+                <a:spcPct val="100000"/>
+              </a:lnSpc>
+              <a:spcBef>
+                <a:spcPts val="1200"/>
+              </a:spcBef>
+              <a:buClr>
+                <a:schemeClr val="bg1">
+                  <a:lumMod val="65000"/>
+                </a:schemeClr>
+              </a:buClr>
+              <a:buFont typeface="Arial" panose="020B0604020202020204" pitchFamily="34" charset="0"/>
+              <a:buChar char="•"/>
+              <a:defRPr sz="2800" kern="1200">
+                <a:solidFill>
+                  <a:schemeClr val="tx1"/>
+                </a:solidFill>
+                <a:latin typeface="+mn-lt"/>
+                <a:ea typeface="+mn-ea"/>
+                <a:cs typeface="+mn-cs"/>
+              </a:defRPr>
+            </a:lvl9pPr>
+          </a:lstStyle>
+          <a:p>
+            <a:pPr marL="0" indent="0">
+              <a:buNone/>
+            </a:pPr>
+            <a:r>
+              <a:rPr lang="en-US" dirty="0"/>
+              <a:t>Each table stores normalized, non-duplicated information that allows every reservation to be properly linked to complete customer, court, and coach details. Each table includes a primary key (PK), which is referenced as a foreign key (FK) in the </a:t>
+            </a:r>
+            <a:r>
+              <a:rPr lang="en-US" b="1" dirty="0"/>
+              <a:t>reservation</a:t>
+            </a:r>
+            <a:r>
+              <a:rPr lang="en-US" dirty="0"/>
+              <a:t> table. This structure ensures accurate relationships between tables and maintains data integrity across the entire system.</a:t>
+            </a:r>
+            <a:endParaRPr lang="en-US" sz="3200" b="0" dirty="0">
+              <a:effectLst/>
+            </a:endParaRPr>
+          </a:p>
+        </p:txBody>
+      </p:sp>
     </p:spTree>
     <p:extLst>
       <p:ext uri="{BB962C8B-B14F-4D97-AF65-F5344CB8AC3E}">
